--- a/FM_NK_skin.pptx
+++ b/FM_NK_skin.pptx
@@ -2,14 +2,15 @@
 <file path=ppt/presentation.xml><?xml version="1.0" encoding="utf-8"?>
 <p:presentation xmlns:a="http://schemas.openxmlformats.org/drawingml/2006/main" xmlns:r="http://schemas.openxmlformats.org/officeDocument/2006/relationships" xmlns:p="http://schemas.openxmlformats.org/presentationml/2006/main" saveSubsetFonts="1">
   <p:sldMasterIdLst>
-    <p:sldMasterId id="2147483660" r:id="rId1"/>
+    <p:sldMasterId id="2147483672" r:id="rId1"/>
   </p:sldMasterIdLst>
   <p:sldIdLst>
     <p:sldId id="257" r:id="rId2"/>
     <p:sldId id="256" r:id="rId3"/>
-    <p:sldId id="258" r:id="rId4"/>
+    <p:sldId id="259" r:id="rId4"/>
+    <p:sldId id="258" r:id="rId5"/>
   </p:sldIdLst>
-  <p:sldSz cx="6858000" cy="9906000" type="A4"/>
+  <p:sldSz cx="9720263" cy="9906000"/>
   <p:notesSz cx="6858000" cy="9144000"/>
   <p:defaultTextStyle>
     <a:defPPr>
@@ -143,15 +144,15 @@
         </p:nvSpPr>
         <p:spPr>
           <a:xfrm>
-            <a:off x="514350" y="1621191"/>
-            <a:ext cx="5829300" cy="3448756"/>
+            <a:off x="729020" y="1621191"/>
+            <a:ext cx="8262224" cy="3448756"/>
           </a:xfrm>
         </p:spPr>
         <p:txBody>
           <a:bodyPr anchor="b"/>
           <a:lstStyle>
             <a:lvl1pPr algn="ctr">
-              <a:defRPr sz="4500"/>
+              <a:defRPr sz="6378"/>
             </a:lvl1pPr>
           </a:lstStyle>
           <a:p>
@@ -175,8 +176,8 @@
         </p:nvSpPr>
         <p:spPr>
           <a:xfrm>
-            <a:off x="857250" y="5202944"/>
-            <a:ext cx="5143500" cy="2391656"/>
+            <a:off x="1215033" y="5202944"/>
+            <a:ext cx="7290197" cy="2391656"/>
           </a:xfrm>
         </p:spPr>
         <p:txBody>
@@ -184,39 +185,39 @@
           <a:lstStyle>
             <a:lvl1pPr marL="0" indent="0" algn="ctr">
               <a:buNone/>
-              <a:defRPr sz="1800"/>
+              <a:defRPr sz="2551"/>
             </a:lvl1pPr>
-            <a:lvl2pPr marL="342900" indent="0" algn="ctr">
+            <a:lvl2pPr marL="486004" indent="0" algn="ctr">
               <a:buNone/>
-              <a:defRPr sz="1500"/>
+              <a:defRPr sz="2126"/>
             </a:lvl2pPr>
-            <a:lvl3pPr marL="685800" indent="0" algn="ctr">
+            <a:lvl3pPr marL="972007" indent="0" algn="ctr">
               <a:buNone/>
-              <a:defRPr sz="1350"/>
+              <a:defRPr sz="1913"/>
             </a:lvl3pPr>
-            <a:lvl4pPr marL="1028700" indent="0" algn="ctr">
+            <a:lvl4pPr marL="1458011" indent="0" algn="ctr">
               <a:buNone/>
-              <a:defRPr sz="1200"/>
+              <a:defRPr sz="1701"/>
             </a:lvl4pPr>
-            <a:lvl5pPr marL="1371600" indent="0" algn="ctr">
+            <a:lvl5pPr marL="1944014" indent="0" algn="ctr">
               <a:buNone/>
-              <a:defRPr sz="1200"/>
+              <a:defRPr sz="1701"/>
             </a:lvl5pPr>
-            <a:lvl6pPr marL="1714500" indent="0" algn="ctr">
+            <a:lvl6pPr marL="2430018" indent="0" algn="ctr">
               <a:buNone/>
-              <a:defRPr sz="1200"/>
+              <a:defRPr sz="1701"/>
             </a:lvl6pPr>
-            <a:lvl7pPr marL="2057400" indent="0" algn="ctr">
+            <a:lvl7pPr marL="2916022" indent="0" algn="ctr">
               <a:buNone/>
-              <a:defRPr sz="1200"/>
+              <a:defRPr sz="1701"/>
             </a:lvl7pPr>
-            <a:lvl8pPr marL="2400300" indent="0" algn="ctr">
+            <a:lvl8pPr marL="3402025" indent="0" algn="ctr">
               <a:buNone/>
-              <a:defRPr sz="1200"/>
+              <a:defRPr sz="1701"/>
             </a:lvl8pPr>
-            <a:lvl9pPr marL="2743200" indent="0" algn="ctr">
+            <a:lvl9pPr marL="3888029" indent="0" algn="ctr">
               <a:buNone/>
-              <a:defRPr sz="1200"/>
+              <a:defRPr sz="1701"/>
             </a:lvl9pPr>
           </a:lstStyle>
           <a:p>
@@ -245,7 +246,7 @@
           <a:p>
             <a:fld id="{932C0D19-04E3-4FAD-91F8-87FF025C4707}" type="datetimeFigureOut">
               <a:rPr lang="en-CA" smtClean="0"/>
-              <a:t>29-Aug-2020</a:t>
+              <a:t>23-Apr-2021</a:t>
             </a:fld>
             <a:endParaRPr lang="en-CA"/>
           </a:p>
@@ -296,7 +297,7 @@
     </p:spTree>
     <p:extLst>
       <p:ext uri="{BB962C8B-B14F-4D97-AF65-F5344CB8AC3E}">
-        <p14:creationId xmlns:p14="http://schemas.microsoft.com/office/powerpoint/2010/main" val="3829139574"/>
+        <p14:creationId xmlns:p14="http://schemas.microsoft.com/office/powerpoint/2010/main" val="1370148322"/>
       </p:ext>
     </p:extLst>
   </p:cSld>
@@ -415,7 +416,7 @@
           <a:p>
             <a:fld id="{932C0D19-04E3-4FAD-91F8-87FF025C4707}" type="datetimeFigureOut">
               <a:rPr lang="en-CA" smtClean="0"/>
-              <a:t>29-Aug-2020</a:t>
+              <a:t>23-Apr-2021</a:t>
             </a:fld>
             <a:endParaRPr lang="en-CA"/>
           </a:p>
@@ -466,7 +467,7 @@
     </p:spTree>
     <p:extLst>
       <p:ext uri="{BB962C8B-B14F-4D97-AF65-F5344CB8AC3E}">
-        <p14:creationId xmlns:p14="http://schemas.microsoft.com/office/powerpoint/2010/main" val="955924289"/>
+        <p14:creationId xmlns:p14="http://schemas.microsoft.com/office/powerpoint/2010/main" val="3119758099"/>
       </p:ext>
     </p:extLst>
   </p:cSld>
@@ -505,8 +506,8 @@
         </p:nvSpPr>
         <p:spPr>
           <a:xfrm>
-            <a:off x="4907757" y="527403"/>
-            <a:ext cx="1478756" cy="8394877"/>
+            <a:off x="6956064" y="527403"/>
+            <a:ext cx="2095932" cy="8394877"/>
           </a:xfrm>
         </p:spPr>
         <p:txBody>
@@ -533,8 +534,8 @@
         </p:nvSpPr>
         <p:spPr>
           <a:xfrm>
-            <a:off x="471488" y="527403"/>
-            <a:ext cx="4350544" cy="8394877"/>
+            <a:off x="668269" y="527403"/>
+            <a:ext cx="6166292" cy="8394877"/>
           </a:xfrm>
         </p:spPr>
         <p:txBody>
@@ -595,7 +596,7 @@
           <a:p>
             <a:fld id="{932C0D19-04E3-4FAD-91F8-87FF025C4707}" type="datetimeFigureOut">
               <a:rPr lang="en-CA" smtClean="0"/>
-              <a:t>29-Aug-2020</a:t>
+              <a:t>23-Apr-2021</a:t>
             </a:fld>
             <a:endParaRPr lang="en-CA"/>
           </a:p>
@@ -646,7 +647,7 @@
     </p:spTree>
     <p:extLst>
       <p:ext uri="{BB962C8B-B14F-4D97-AF65-F5344CB8AC3E}">
-        <p14:creationId xmlns:p14="http://schemas.microsoft.com/office/powerpoint/2010/main" val="3682388787"/>
+        <p14:creationId xmlns:p14="http://schemas.microsoft.com/office/powerpoint/2010/main" val="1666135643"/>
       </p:ext>
     </p:extLst>
   </p:cSld>
@@ -765,7 +766,7 @@
           <a:p>
             <a:fld id="{932C0D19-04E3-4FAD-91F8-87FF025C4707}" type="datetimeFigureOut">
               <a:rPr lang="en-CA" smtClean="0"/>
-              <a:t>29-Aug-2020</a:t>
+              <a:t>23-Apr-2021</a:t>
             </a:fld>
             <a:endParaRPr lang="en-CA"/>
           </a:p>
@@ -816,7 +817,7 @@
     </p:spTree>
     <p:extLst>
       <p:ext uri="{BB962C8B-B14F-4D97-AF65-F5344CB8AC3E}">
-        <p14:creationId xmlns:p14="http://schemas.microsoft.com/office/powerpoint/2010/main" val="3980085443"/>
+        <p14:creationId xmlns:p14="http://schemas.microsoft.com/office/powerpoint/2010/main" val="4203700145"/>
       </p:ext>
     </p:extLst>
   </p:cSld>
@@ -855,15 +856,15 @@
         </p:nvSpPr>
         <p:spPr>
           <a:xfrm>
-            <a:off x="467916" y="2469624"/>
-            <a:ext cx="5915025" cy="4120620"/>
+            <a:off x="663206" y="2469624"/>
+            <a:ext cx="8383727" cy="4120620"/>
           </a:xfrm>
         </p:spPr>
         <p:txBody>
           <a:bodyPr anchor="b"/>
           <a:lstStyle>
             <a:lvl1pPr>
-              <a:defRPr sz="4500"/>
+              <a:defRPr sz="6378"/>
             </a:lvl1pPr>
           </a:lstStyle>
           <a:p>
@@ -887,8 +888,8 @@
         </p:nvSpPr>
         <p:spPr>
           <a:xfrm>
-            <a:off x="467916" y="6629226"/>
-            <a:ext cx="5915025" cy="2166937"/>
+            <a:off x="663206" y="6629226"/>
+            <a:ext cx="8383727" cy="2166937"/>
           </a:xfrm>
         </p:spPr>
         <p:txBody>
@@ -896,15 +897,15 @@
           <a:lstStyle>
             <a:lvl1pPr marL="0" indent="0">
               <a:buNone/>
-              <a:defRPr sz="1800">
+              <a:defRPr sz="2551">
                 <a:solidFill>
                   <a:schemeClr val="tx1"/>
                 </a:solidFill>
               </a:defRPr>
             </a:lvl1pPr>
-            <a:lvl2pPr marL="342900" indent="0">
+            <a:lvl2pPr marL="486004" indent="0">
               <a:buNone/>
-              <a:defRPr sz="1500">
+              <a:defRPr sz="2126">
                 <a:solidFill>
                   <a:schemeClr val="tx1">
                     <a:tint val="75000"/>
@@ -912,9 +913,9 @@
                 </a:solidFill>
               </a:defRPr>
             </a:lvl2pPr>
-            <a:lvl3pPr marL="685800" indent="0">
+            <a:lvl3pPr marL="972007" indent="0">
               <a:buNone/>
-              <a:defRPr sz="1350">
+              <a:defRPr sz="1913">
                 <a:solidFill>
                   <a:schemeClr val="tx1">
                     <a:tint val="75000"/>
@@ -922,9 +923,9 @@
                 </a:solidFill>
               </a:defRPr>
             </a:lvl3pPr>
-            <a:lvl4pPr marL="1028700" indent="0">
+            <a:lvl4pPr marL="1458011" indent="0">
               <a:buNone/>
-              <a:defRPr sz="1200">
+              <a:defRPr sz="1701">
                 <a:solidFill>
                   <a:schemeClr val="tx1">
                     <a:tint val="75000"/>
@@ -932,9 +933,9 @@
                 </a:solidFill>
               </a:defRPr>
             </a:lvl4pPr>
-            <a:lvl5pPr marL="1371600" indent="0">
+            <a:lvl5pPr marL="1944014" indent="0">
               <a:buNone/>
-              <a:defRPr sz="1200">
+              <a:defRPr sz="1701">
                 <a:solidFill>
                   <a:schemeClr val="tx1">
                     <a:tint val="75000"/>
@@ -942,9 +943,9 @@
                 </a:solidFill>
               </a:defRPr>
             </a:lvl5pPr>
-            <a:lvl6pPr marL="1714500" indent="0">
+            <a:lvl6pPr marL="2430018" indent="0">
               <a:buNone/>
-              <a:defRPr sz="1200">
+              <a:defRPr sz="1701">
                 <a:solidFill>
                   <a:schemeClr val="tx1">
                     <a:tint val="75000"/>
@@ -952,9 +953,9 @@
                 </a:solidFill>
               </a:defRPr>
             </a:lvl6pPr>
-            <a:lvl7pPr marL="2057400" indent="0">
+            <a:lvl7pPr marL="2916022" indent="0">
               <a:buNone/>
-              <a:defRPr sz="1200">
+              <a:defRPr sz="1701">
                 <a:solidFill>
                   <a:schemeClr val="tx1">
                     <a:tint val="75000"/>
@@ -962,9 +963,9 @@
                 </a:solidFill>
               </a:defRPr>
             </a:lvl7pPr>
-            <a:lvl8pPr marL="2400300" indent="0">
+            <a:lvl8pPr marL="3402025" indent="0">
               <a:buNone/>
-              <a:defRPr sz="1200">
+              <a:defRPr sz="1701">
                 <a:solidFill>
                   <a:schemeClr val="tx1">
                     <a:tint val="75000"/>
@@ -972,9 +973,9 @@
                 </a:solidFill>
               </a:defRPr>
             </a:lvl8pPr>
-            <a:lvl9pPr marL="2743200" indent="0">
+            <a:lvl9pPr marL="3888029" indent="0">
               <a:buNone/>
-              <a:defRPr sz="1200">
+              <a:defRPr sz="1701">
                 <a:solidFill>
                   <a:schemeClr val="tx1">
                     <a:tint val="75000"/>
@@ -1009,7 +1010,7 @@
           <a:p>
             <a:fld id="{932C0D19-04E3-4FAD-91F8-87FF025C4707}" type="datetimeFigureOut">
               <a:rPr lang="en-CA" smtClean="0"/>
-              <a:t>29-Aug-2020</a:t>
+              <a:t>23-Apr-2021</a:t>
             </a:fld>
             <a:endParaRPr lang="en-CA"/>
           </a:p>
@@ -1060,7 +1061,7 @@
     </p:spTree>
     <p:extLst>
       <p:ext uri="{BB962C8B-B14F-4D97-AF65-F5344CB8AC3E}">
-        <p14:creationId xmlns:p14="http://schemas.microsoft.com/office/powerpoint/2010/main" val="2207948120"/>
+        <p14:creationId xmlns:p14="http://schemas.microsoft.com/office/powerpoint/2010/main" val="242783299"/>
       </p:ext>
     </p:extLst>
   </p:cSld>
@@ -1122,8 +1123,8 @@
         </p:nvSpPr>
         <p:spPr>
           <a:xfrm>
-            <a:off x="471488" y="2637014"/>
-            <a:ext cx="2914650" cy="6285266"/>
+            <a:off x="668268" y="2637014"/>
+            <a:ext cx="4131112" cy="6285266"/>
           </a:xfrm>
         </p:spPr>
         <p:txBody>
@@ -1179,8 +1180,8 @@
         </p:nvSpPr>
         <p:spPr>
           <a:xfrm>
-            <a:off x="3471863" y="2637014"/>
-            <a:ext cx="2914650" cy="6285266"/>
+            <a:off x="4920883" y="2637014"/>
+            <a:ext cx="4131112" cy="6285266"/>
           </a:xfrm>
         </p:spPr>
         <p:txBody>
@@ -1241,7 +1242,7 @@
           <a:p>
             <a:fld id="{932C0D19-04E3-4FAD-91F8-87FF025C4707}" type="datetimeFigureOut">
               <a:rPr lang="en-CA" smtClean="0"/>
-              <a:t>29-Aug-2020</a:t>
+              <a:t>23-Apr-2021</a:t>
             </a:fld>
             <a:endParaRPr lang="en-CA"/>
           </a:p>
@@ -1292,7 +1293,7 @@
     </p:spTree>
     <p:extLst>
       <p:ext uri="{BB962C8B-B14F-4D97-AF65-F5344CB8AC3E}">
-        <p14:creationId xmlns:p14="http://schemas.microsoft.com/office/powerpoint/2010/main" val="2639347906"/>
+        <p14:creationId xmlns:p14="http://schemas.microsoft.com/office/powerpoint/2010/main" val="244140565"/>
       </p:ext>
     </p:extLst>
   </p:cSld>
@@ -1331,8 +1332,8 @@
         </p:nvSpPr>
         <p:spPr>
           <a:xfrm>
-            <a:off x="472381" y="527405"/>
-            <a:ext cx="5915025" cy="1914702"/>
+            <a:off x="669534" y="527405"/>
+            <a:ext cx="8383727" cy="1914702"/>
           </a:xfrm>
         </p:spPr>
         <p:txBody>
@@ -1359,8 +1360,8 @@
         </p:nvSpPr>
         <p:spPr>
           <a:xfrm>
-            <a:off x="472381" y="2428347"/>
-            <a:ext cx="2901255" cy="1190095"/>
+            <a:off x="669535" y="2428347"/>
+            <a:ext cx="4112126" cy="1190095"/>
           </a:xfrm>
         </p:spPr>
         <p:txBody>
@@ -1368,39 +1369,39 @@
           <a:lstStyle>
             <a:lvl1pPr marL="0" indent="0">
               <a:buNone/>
-              <a:defRPr sz="1800" b="1"/>
+              <a:defRPr sz="2551" b="1"/>
             </a:lvl1pPr>
-            <a:lvl2pPr marL="342900" indent="0">
+            <a:lvl2pPr marL="486004" indent="0">
               <a:buNone/>
-              <a:defRPr sz="1500" b="1"/>
+              <a:defRPr sz="2126" b="1"/>
             </a:lvl2pPr>
-            <a:lvl3pPr marL="685800" indent="0">
+            <a:lvl3pPr marL="972007" indent="0">
               <a:buNone/>
-              <a:defRPr sz="1350" b="1"/>
+              <a:defRPr sz="1913" b="1"/>
             </a:lvl3pPr>
-            <a:lvl4pPr marL="1028700" indent="0">
+            <a:lvl4pPr marL="1458011" indent="0">
               <a:buNone/>
-              <a:defRPr sz="1200" b="1"/>
+              <a:defRPr sz="1701" b="1"/>
             </a:lvl4pPr>
-            <a:lvl5pPr marL="1371600" indent="0">
+            <a:lvl5pPr marL="1944014" indent="0">
               <a:buNone/>
-              <a:defRPr sz="1200" b="1"/>
+              <a:defRPr sz="1701" b="1"/>
             </a:lvl5pPr>
-            <a:lvl6pPr marL="1714500" indent="0">
+            <a:lvl6pPr marL="2430018" indent="0">
               <a:buNone/>
-              <a:defRPr sz="1200" b="1"/>
+              <a:defRPr sz="1701" b="1"/>
             </a:lvl6pPr>
-            <a:lvl7pPr marL="2057400" indent="0">
+            <a:lvl7pPr marL="2916022" indent="0">
               <a:buNone/>
-              <a:defRPr sz="1200" b="1"/>
+              <a:defRPr sz="1701" b="1"/>
             </a:lvl7pPr>
-            <a:lvl8pPr marL="2400300" indent="0">
+            <a:lvl8pPr marL="3402025" indent="0">
               <a:buNone/>
-              <a:defRPr sz="1200" b="1"/>
+              <a:defRPr sz="1701" b="1"/>
             </a:lvl8pPr>
-            <a:lvl9pPr marL="2743200" indent="0">
+            <a:lvl9pPr marL="3888029" indent="0">
               <a:buNone/>
-              <a:defRPr sz="1200" b="1"/>
+              <a:defRPr sz="1701" b="1"/>
             </a:lvl9pPr>
           </a:lstStyle>
           <a:p>
@@ -1424,8 +1425,8 @@
         </p:nvSpPr>
         <p:spPr>
           <a:xfrm>
-            <a:off x="472381" y="3618442"/>
-            <a:ext cx="2901255" cy="5322183"/>
+            <a:off x="669535" y="3618442"/>
+            <a:ext cx="4112126" cy="5322183"/>
           </a:xfrm>
         </p:spPr>
         <p:txBody>
@@ -1481,8 +1482,8 @@
         </p:nvSpPr>
         <p:spPr>
           <a:xfrm>
-            <a:off x="3471863" y="2428347"/>
-            <a:ext cx="2915543" cy="1190095"/>
+            <a:off x="4920884" y="2428347"/>
+            <a:ext cx="4132378" cy="1190095"/>
           </a:xfrm>
         </p:spPr>
         <p:txBody>
@@ -1490,39 +1491,39 @@
           <a:lstStyle>
             <a:lvl1pPr marL="0" indent="0">
               <a:buNone/>
-              <a:defRPr sz="1800" b="1"/>
+              <a:defRPr sz="2551" b="1"/>
             </a:lvl1pPr>
-            <a:lvl2pPr marL="342900" indent="0">
+            <a:lvl2pPr marL="486004" indent="0">
               <a:buNone/>
-              <a:defRPr sz="1500" b="1"/>
+              <a:defRPr sz="2126" b="1"/>
             </a:lvl2pPr>
-            <a:lvl3pPr marL="685800" indent="0">
+            <a:lvl3pPr marL="972007" indent="0">
               <a:buNone/>
-              <a:defRPr sz="1350" b="1"/>
+              <a:defRPr sz="1913" b="1"/>
             </a:lvl3pPr>
-            <a:lvl4pPr marL="1028700" indent="0">
+            <a:lvl4pPr marL="1458011" indent="0">
               <a:buNone/>
-              <a:defRPr sz="1200" b="1"/>
+              <a:defRPr sz="1701" b="1"/>
             </a:lvl4pPr>
-            <a:lvl5pPr marL="1371600" indent="0">
+            <a:lvl5pPr marL="1944014" indent="0">
               <a:buNone/>
-              <a:defRPr sz="1200" b="1"/>
+              <a:defRPr sz="1701" b="1"/>
             </a:lvl5pPr>
-            <a:lvl6pPr marL="1714500" indent="0">
+            <a:lvl6pPr marL="2430018" indent="0">
               <a:buNone/>
-              <a:defRPr sz="1200" b="1"/>
+              <a:defRPr sz="1701" b="1"/>
             </a:lvl6pPr>
-            <a:lvl7pPr marL="2057400" indent="0">
+            <a:lvl7pPr marL="2916022" indent="0">
               <a:buNone/>
-              <a:defRPr sz="1200" b="1"/>
+              <a:defRPr sz="1701" b="1"/>
             </a:lvl7pPr>
-            <a:lvl8pPr marL="2400300" indent="0">
+            <a:lvl8pPr marL="3402025" indent="0">
               <a:buNone/>
-              <a:defRPr sz="1200" b="1"/>
+              <a:defRPr sz="1701" b="1"/>
             </a:lvl8pPr>
-            <a:lvl9pPr marL="2743200" indent="0">
+            <a:lvl9pPr marL="3888029" indent="0">
               <a:buNone/>
-              <a:defRPr sz="1200" b="1"/>
+              <a:defRPr sz="1701" b="1"/>
             </a:lvl9pPr>
           </a:lstStyle>
           <a:p>
@@ -1546,8 +1547,8 @@
         </p:nvSpPr>
         <p:spPr>
           <a:xfrm>
-            <a:off x="3471863" y="3618442"/>
-            <a:ext cx="2915543" cy="5322183"/>
+            <a:off x="4920884" y="3618442"/>
+            <a:ext cx="4132378" cy="5322183"/>
           </a:xfrm>
         </p:spPr>
         <p:txBody>
@@ -1608,7 +1609,7 @@
           <a:p>
             <a:fld id="{932C0D19-04E3-4FAD-91F8-87FF025C4707}" type="datetimeFigureOut">
               <a:rPr lang="en-CA" smtClean="0"/>
-              <a:t>29-Aug-2020</a:t>
+              <a:t>23-Apr-2021</a:t>
             </a:fld>
             <a:endParaRPr lang="en-CA"/>
           </a:p>
@@ -1659,7 +1660,7 @@
     </p:spTree>
     <p:extLst>
       <p:ext uri="{BB962C8B-B14F-4D97-AF65-F5344CB8AC3E}">
-        <p14:creationId xmlns:p14="http://schemas.microsoft.com/office/powerpoint/2010/main" val="4157386330"/>
+        <p14:creationId xmlns:p14="http://schemas.microsoft.com/office/powerpoint/2010/main" val="1503208005"/>
       </p:ext>
     </p:extLst>
   </p:cSld>
@@ -1726,7 +1727,7 @@
           <a:p>
             <a:fld id="{932C0D19-04E3-4FAD-91F8-87FF025C4707}" type="datetimeFigureOut">
               <a:rPr lang="en-CA" smtClean="0"/>
-              <a:t>29-Aug-2020</a:t>
+              <a:t>23-Apr-2021</a:t>
             </a:fld>
             <a:endParaRPr lang="en-CA"/>
           </a:p>
@@ -1777,7 +1778,7 @@
     </p:spTree>
     <p:extLst>
       <p:ext uri="{BB962C8B-B14F-4D97-AF65-F5344CB8AC3E}">
-        <p14:creationId xmlns:p14="http://schemas.microsoft.com/office/powerpoint/2010/main" val="2299691575"/>
+        <p14:creationId xmlns:p14="http://schemas.microsoft.com/office/powerpoint/2010/main" val="3374457026"/>
       </p:ext>
     </p:extLst>
   </p:cSld>
@@ -1821,7 +1822,7 @@
           <a:p>
             <a:fld id="{932C0D19-04E3-4FAD-91F8-87FF025C4707}" type="datetimeFigureOut">
               <a:rPr lang="en-CA" smtClean="0"/>
-              <a:t>29-Aug-2020</a:t>
+              <a:t>23-Apr-2021</a:t>
             </a:fld>
             <a:endParaRPr lang="en-CA"/>
           </a:p>
@@ -1872,7 +1873,7 @@
     </p:spTree>
     <p:extLst>
       <p:ext uri="{BB962C8B-B14F-4D97-AF65-F5344CB8AC3E}">
-        <p14:creationId xmlns:p14="http://schemas.microsoft.com/office/powerpoint/2010/main" val="1594543546"/>
+        <p14:creationId xmlns:p14="http://schemas.microsoft.com/office/powerpoint/2010/main" val="2052533046"/>
       </p:ext>
     </p:extLst>
   </p:cSld>
@@ -1911,15 +1912,15 @@
         </p:nvSpPr>
         <p:spPr>
           <a:xfrm>
-            <a:off x="472381" y="660400"/>
-            <a:ext cx="2211884" cy="2311400"/>
+            <a:off x="669534" y="660400"/>
+            <a:ext cx="3135038" cy="2311400"/>
           </a:xfrm>
         </p:spPr>
         <p:txBody>
           <a:bodyPr anchor="b"/>
           <a:lstStyle>
             <a:lvl1pPr>
-              <a:defRPr sz="2400"/>
+              <a:defRPr sz="3402"/>
             </a:lvl1pPr>
           </a:lstStyle>
           <a:p>
@@ -1943,39 +1944,39 @@
         </p:nvSpPr>
         <p:spPr>
           <a:xfrm>
-            <a:off x="2915543" y="1426283"/>
-            <a:ext cx="3471863" cy="7039681"/>
+            <a:off x="4132378" y="1426283"/>
+            <a:ext cx="4920883" cy="7039681"/>
           </a:xfrm>
         </p:spPr>
         <p:txBody>
           <a:bodyPr/>
           <a:lstStyle>
             <a:lvl1pPr>
-              <a:defRPr sz="2400"/>
+              <a:defRPr sz="3402"/>
             </a:lvl1pPr>
             <a:lvl2pPr>
-              <a:defRPr sz="2100"/>
+              <a:defRPr sz="2976"/>
             </a:lvl2pPr>
             <a:lvl3pPr>
-              <a:defRPr sz="1800"/>
+              <a:defRPr sz="2551"/>
             </a:lvl3pPr>
             <a:lvl4pPr>
-              <a:defRPr sz="1500"/>
+              <a:defRPr sz="2126"/>
             </a:lvl4pPr>
             <a:lvl5pPr>
-              <a:defRPr sz="1500"/>
+              <a:defRPr sz="2126"/>
             </a:lvl5pPr>
             <a:lvl6pPr>
-              <a:defRPr sz="1500"/>
+              <a:defRPr sz="2126"/>
             </a:lvl6pPr>
             <a:lvl7pPr>
-              <a:defRPr sz="1500"/>
+              <a:defRPr sz="2126"/>
             </a:lvl7pPr>
             <a:lvl8pPr>
-              <a:defRPr sz="1500"/>
+              <a:defRPr sz="2126"/>
             </a:lvl8pPr>
             <a:lvl9pPr>
-              <a:defRPr sz="1500"/>
+              <a:defRPr sz="2126"/>
             </a:lvl9pPr>
           </a:lstStyle>
           <a:p>
@@ -2028,8 +2029,8 @@
         </p:nvSpPr>
         <p:spPr>
           <a:xfrm>
-            <a:off x="472381" y="2971800"/>
-            <a:ext cx="2211884" cy="5505627"/>
+            <a:off x="669534" y="2971800"/>
+            <a:ext cx="3135038" cy="5505627"/>
           </a:xfrm>
         </p:spPr>
         <p:txBody>
@@ -2037,39 +2038,39 @@
           <a:lstStyle>
             <a:lvl1pPr marL="0" indent="0">
               <a:buNone/>
-              <a:defRPr sz="1200"/>
+              <a:defRPr sz="1701"/>
             </a:lvl1pPr>
-            <a:lvl2pPr marL="342900" indent="0">
+            <a:lvl2pPr marL="486004" indent="0">
               <a:buNone/>
-              <a:defRPr sz="1050"/>
+              <a:defRPr sz="1488"/>
             </a:lvl2pPr>
-            <a:lvl3pPr marL="685800" indent="0">
+            <a:lvl3pPr marL="972007" indent="0">
               <a:buNone/>
-              <a:defRPr sz="900"/>
+              <a:defRPr sz="1276"/>
             </a:lvl3pPr>
-            <a:lvl4pPr marL="1028700" indent="0">
+            <a:lvl4pPr marL="1458011" indent="0">
               <a:buNone/>
-              <a:defRPr sz="750"/>
+              <a:defRPr sz="1063"/>
             </a:lvl4pPr>
-            <a:lvl5pPr marL="1371600" indent="0">
+            <a:lvl5pPr marL="1944014" indent="0">
               <a:buNone/>
-              <a:defRPr sz="750"/>
+              <a:defRPr sz="1063"/>
             </a:lvl5pPr>
-            <a:lvl6pPr marL="1714500" indent="0">
+            <a:lvl6pPr marL="2430018" indent="0">
               <a:buNone/>
-              <a:defRPr sz="750"/>
+              <a:defRPr sz="1063"/>
             </a:lvl6pPr>
-            <a:lvl7pPr marL="2057400" indent="0">
+            <a:lvl7pPr marL="2916022" indent="0">
               <a:buNone/>
-              <a:defRPr sz="750"/>
+              <a:defRPr sz="1063"/>
             </a:lvl7pPr>
-            <a:lvl8pPr marL="2400300" indent="0">
+            <a:lvl8pPr marL="3402025" indent="0">
               <a:buNone/>
-              <a:defRPr sz="750"/>
+              <a:defRPr sz="1063"/>
             </a:lvl8pPr>
-            <a:lvl9pPr marL="2743200" indent="0">
+            <a:lvl9pPr marL="3888029" indent="0">
               <a:buNone/>
-              <a:defRPr sz="750"/>
+              <a:defRPr sz="1063"/>
             </a:lvl9pPr>
           </a:lstStyle>
           <a:p>
@@ -2098,7 +2099,7 @@
           <a:p>
             <a:fld id="{932C0D19-04E3-4FAD-91F8-87FF025C4707}" type="datetimeFigureOut">
               <a:rPr lang="en-CA" smtClean="0"/>
-              <a:t>29-Aug-2020</a:t>
+              <a:t>23-Apr-2021</a:t>
             </a:fld>
             <a:endParaRPr lang="en-CA"/>
           </a:p>
@@ -2149,7 +2150,7 @@
     </p:spTree>
     <p:extLst>
       <p:ext uri="{BB962C8B-B14F-4D97-AF65-F5344CB8AC3E}">
-        <p14:creationId xmlns:p14="http://schemas.microsoft.com/office/powerpoint/2010/main" val="1805679818"/>
+        <p14:creationId xmlns:p14="http://schemas.microsoft.com/office/powerpoint/2010/main" val="1484725076"/>
       </p:ext>
     </p:extLst>
   </p:cSld>
@@ -2188,15 +2189,15 @@
         </p:nvSpPr>
         <p:spPr>
           <a:xfrm>
-            <a:off x="472381" y="660400"/>
-            <a:ext cx="2211884" cy="2311400"/>
+            <a:off x="669534" y="660400"/>
+            <a:ext cx="3135038" cy="2311400"/>
           </a:xfrm>
         </p:spPr>
         <p:txBody>
           <a:bodyPr anchor="b"/>
           <a:lstStyle>
             <a:lvl1pPr>
-              <a:defRPr sz="2400"/>
+              <a:defRPr sz="3402"/>
             </a:lvl1pPr>
           </a:lstStyle>
           <a:p>
@@ -2220,8 +2221,8 @@
         </p:nvSpPr>
         <p:spPr>
           <a:xfrm>
-            <a:off x="2915543" y="1426283"/>
-            <a:ext cx="3471863" cy="7039681"/>
+            <a:off x="4132378" y="1426283"/>
+            <a:ext cx="4920883" cy="7039681"/>
           </a:xfrm>
         </p:spPr>
         <p:txBody>
@@ -2229,39 +2230,39 @@
           <a:lstStyle>
             <a:lvl1pPr marL="0" indent="0">
               <a:buNone/>
-              <a:defRPr sz="2400"/>
+              <a:defRPr sz="3402"/>
             </a:lvl1pPr>
-            <a:lvl2pPr marL="342900" indent="0">
+            <a:lvl2pPr marL="486004" indent="0">
               <a:buNone/>
-              <a:defRPr sz="2100"/>
+              <a:defRPr sz="2976"/>
             </a:lvl2pPr>
-            <a:lvl3pPr marL="685800" indent="0">
+            <a:lvl3pPr marL="972007" indent="0">
               <a:buNone/>
-              <a:defRPr sz="1800"/>
+              <a:defRPr sz="2551"/>
             </a:lvl3pPr>
-            <a:lvl4pPr marL="1028700" indent="0">
+            <a:lvl4pPr marL="1458011" indent="0">
               <a:buNone/>
-              <a:defRPr sz="1500"/>
+              <a:defRPr sz="2126"/>
             </a:lvl4pPr>
-            <a:lvl5pPr marL="1371600" indent="0">
+            <a:lvl5pPr marL="1944014" indent="0">
               <a:buNone/>
-              <a:defRPr sz="1500"/>
+              <a:defRPr sz="2126"/>
             </a:lvl5pPr>
-            <a:lvl6pPr marL="1714500" indent="0">
+            <a:lvl6pPr marL="2430018" indent="0">
               <a:buNone/>
-              <a:defRPr sz="1500"/>
+              <a:defRPr sz="2126"/>
             </a:lvl6pPr>
-            <a:lvl7pPr marL="2057400" indent="0">
+            <a:lvl7pPr marL="2916022" indent="0">
               <a:buNone/>
-              <a:defRPr sz="1500"/>
+              <a:defRPr sz="2126"/>
             </a:lvl7pPr>
-            <a:lvl8pPr marL="2400300" indent="0">
+            <a:lvl8pPr marL="3402025" indent="0">
               <a:buNone/>
-              <a:defRPr sz="1500"/>
+              <a:defRPr sz="2126"/>
             </a:lvl8pPr>
-            <a:lvl9pPr marL="2743200" indent="0">
+            <a:lvl9pPr marL="3888029" indent="0">
               <a:buNone/>
-              <a:defRPr sz="1500"/>
+              <a:defRPr sz="2126"/>
             </a:lvl9pPr>
           </a:lstStyle>
           <a:p>
@@ -2285,8 +2286,8 @@
         </p:nvSpPr>
         <p:spPr>
           <a:xfrm>
-            <a:off x="472381" y="2971800"/>
-            <a:ext cx="2211884" cy="5505627"/>
+            <a:off x="669534" y="2971800"/>
+            <a:ext cx="3135038" cy="5505627"/>
           </a:xfrm>
         </p:spPr>
         <p:txBody>
@@ -2294,39 +2295,39 @@
           <a:lstStyle>
             <a:lvl1pPr marL="0" indent="0">
               <a:buNone/>
-              <a:defRPr sz="1200"/>
+              <a:defRPr sz="1701"/>
             </a:lvl1pPr>
-            <a:lvl2pPr marL="342900" indent="0">
+            <a:lvl2pPr marL="486004" indent="0">
               <a:buNone/>
-              <a:defRPr sz="1050"/>
+              <a:defRPr sz="1488"/>
             </a:lvl2pPr>
-            <a:lvl3pPr marL="685800" indent="0">
+            <a:lvl3pPr marL="972007" indent="0">
               <a:buNone/>
-              <a:defRPr sz="900"/>
+              <a:defRPr sz="1276"/>
             </a:lvl3pPr>
-            <a:lvl4pPr marL="1028700" indent="0">
+            <a:lvl4pPr marL="1458011" indent="0">
               <a:buNone/>
-              <a:defRPr sz="750"/>
+              <a:defRPr sz="1063"/>
             </a:lvl4pPr>
-            <a:lvl5pPr marL="1371600" indent="0">
+            <a:lvl5pPr marL="1944014" indent="0">
               <a:buNone/>
-              <a:defRPr sz="750"/>
+              <a:defRPr sz="1063"/>
             </a:lvl5pPr>
-            <a:lvl6pPr marL="1714500" indent="0">
+            <a:lvl6pPr marL="2430018" indent="0">
               <a:buNone/>
-              <a:defRPr sz="750"/>
+              <a:defRPr sz="1063"/>
             </a:lvl6pPr>
-            <a:lvl7pPr marL="2057400" indent="0">
+            <a:lvl7pPr marL="2916022" indent="0">
               <a:buNone/>
-              <a:defRPr sz="750"/>
+              <a:defRPr sz="1063"/>
             </a:lvl7pPr>
-            <a:lvl8pPr marL="2400300" indent="0">
+            <a:lvl8pPr marL="3402025" indent="0">
               <a:buNone/>
-              <a:defRPr sz="750"/>
+              <a:defRPr sz="1063"/>
             </a:lvl8pPr>
-            <a:lvl9pPr marL="2743200" indent="0">
+            <a:lvl9pPr marL="3888029" indent="0">
               <a:buNone/>
-              <a:defRPr sz="750"/>
+              <a:defRPr sz="1063"/>
             </a:lvl9pPr>
           </a:lstStyle>
           <a:p>
@@ -2355,7 +2356,7 @@
           <a:p>
             <a:fld id="{932C0D19-04E3-4FAD-91F8-87FF025C4707}" type="datetimeFigureOut">
               <a:rPr lang="en-CA" smtClean="0"/>
-              <a:t>29-Aug-2020</a:t>
+              <a:t>23-Apr-2021</a:t>
             </a:fld>
             <a:endParaRPr lang="en-CA"/>
           </a:p>
@@ -2406,7 +2407,7 @@
     </p:spTree>
     <p:extLst>
       <p:ext uri="{BB962C8B-B14F-4D97-AF65-F5344CB8AC3E}">
-        <p14:creationId xmlns:p14="http://schemas.microsoft.com/office/powerpoint/2010/main" val="2016901151"/>
+        <p14:creationId xmlns:p14="http://schemas.microsoft.com/office/powerpoint/2010/main" val="2729129588"/>
       </p:ext>
     </p:extLst>
   </p:cSld>
@@ -2450,8 +2451,8 @@
         </p:nvSpPr>
         <p:spPr>
           <a:xfrm>
-            <a:off x="471488" y="527405"/>
-            <a:ext cx="5915025" cy="1914702"/>
+            <a:off x="668268" y="527405"/>
+            <a:ext cx="8383727" cy="1914702"/>
           </a:xfrm>
           <a:prstGeom prst="rect">
             <a:avLst/>
@@ -2483,8 +2484,8 @@
         </p:nvSpPr>
         <p:spPr>
           <a:xfrm>
-            <a:off x="471488" y="2637014"/>
-            <a:ext cx="5915025" cy="6285266"/>
+            <a:off x="668268" y="2637014"/>
+            <a:ext cx="8383727" cy="6285266"/>
           </a:xfrm>
           <a:prstGeom prst="rect">
             <a:avLst/>
@@ -2545,8 +2546,8 @@
         </p:nvSpPr>
         <p:spPr>
           <a:xfrm>
-            <a:off x="471488" y="9181397"/>
-            <a:ext cx="1543050" cy="527403"/>
+            <a:off x="668268" y="9181397"/>
+            <a:ext cx="2187059" cy="527403"/>
           </a:xfrm>
           <a:prstGeom prst="rect">
             <a:avLst/>
@@ -2556,7 +2557,7 @@
           <a:bodyPr vert="horz" lIns="91440" tIns="45720" rIns="91440" bIns="45720" rtlCol="0" anchor="ctr"/>
           <a:lstStyle>
             <a:lvl1pPr algn="l">
-              <a:defRPr sz="900">
+              <a:defRPr sz="1276">
                 <a:solidFill>
                   <a:schemeClr val="tx1">
                     <a:tint val="75000"/>
@@ -2568,7 +2569,7 @@
           <a:p>
             <a:fld id="{932C0D19-04E3-4FAD-91F8-87FF025C4707}" type="datetimeFigureOut">
               <a:rPr lang="en-CA" smtClean="0"/>
-              <a:t>29-Aug-2020</a:t>
+              <a:t>23-Apr-2021</a:t>
             </a:fld>
             <a:endParaRPr lang="en-CA"/>
           </a:p>
@@ -2586,8 +2587,8 @@
         </p:nvSpPr>
         <p:spPr>
           <a:xfrm>
-            <a:off x="2271713" y="9181397"/>
-            <a:ext cx="2314575" cy="527403"/>
+            <a:off x="3219837" y="9181397"/>
+            <a:ext cx="3280589" cy="527403"/>
           </a:xfrm>
           <a:prstGeom prst="rect">
             <a:avLst/>
@@ -2597,7 +2598,7 @@
           <a:bodyPr vert="horz" lIns="91440" tIns="45720" rIns="91440" bIns="45720" rtlCol="0" anchor="ctr"/>
           <a:lstStyle>
             <a:lvl1pPr algn="ctr">
-              <a:defRPr sz="900">
+              <a:defRPr sz="1276">
                 <a:solidFill>
                   <a:schemeClr val="tx1">
                     <a:tint val="75000"/>
@@ -2623,8 +2624,8 @@
         </p:nvSpPr>
         <p:spPr>
           <a:xfrm>
-            <a:off x="4843463" y="9181397"/>
-            <a:ext cx="1543050" cy="527403"/>
+            <a:off x="6864936" y="9181397"/>
+            <a:ext cx="2187059" cy="527403"/>
           </a:xfrm>
           <a:prstGeom prst="rect">
             <a:avLst/>
@@ -2634,7 +2635,7 @@
           <a:bodyPr vert="horz" lIns="91440" tIns="45720" rIns="91440" bIns="45720" rtlCol="0" anchor="ctr"/>
           <a:lstStyle>
             <a:lvl1pPr algn="r">
-              <a:defRPr sz="900">
+              <a:defRPr sz="1276">
                 <a:solidFill>
                   <a:schemeClr val="tx1">
                     <a:tint val="75000"/>
@@ -2655,27 +2656,27 @@
     </p:spTree>
     <p:extLst>
       <p:ext uri="{BB962C8B-B14F-4D97-AF65-F5344CB8AC3E}">
-        <p14:creationId xmlns:p14="http://schemas.microsoft.com/office/powerpoint/2010/main" val="2295236873"/>
+        <p14:creationId xmlns:p14="http://schemas.microsoft.com/office/powerpoint/2010/main" val="1677372271"/>
       </p:ext>
     </p:extLst>
   </p:cSld>
   <p:clrMap bg1="lt1" tx1="dk1" bg2="lt2" tx2="dk2" accent1="accent1" accent2="accent2" accent3="accent3" accent4="accent4" accent5="accent5" accent6="accent6" hlink="hlink" folHlink="folHlink"/>
   <p:sldLayoutIdLst>
-    <p:sldLayoutId id="2147483661" r:id="rId1"/>
-    <p:sldLayoutId id="2147483662" r:id="rId2"/>
-    <p:sldLayoutId id="2147483663" r:id="rId3"/>
-    <p:sldLayoutId id="2147483664" r:id="rId4"/>
-    <p:sldLayoutId id="2147483665" r:id="rId5"/>
-    <p:sldLayoutId id="2147483666" r:id="rId6"/>
-    <p:sldLayoutId id="2147483667" r:id="rId7"/>
-    <p:sldLayoutId id="2147483668" r:id="rId8"/>
-    <p:sldLayoutId id="2147483669" r:id="rId9"/>
-    <p:sldLayoutId id="2147483670" r:id="rId10"/>
-    <p:sldLayoutId id="2147483671" r:id="rId11"/>
+    <p:sldLayoutId id="2147483673" r:id="rId1"/>
+    <p:sldLayoutId id="2147483674" r:id="rId2"/>
+    <p:sldLayoutId id="2147483675" r:id="rId3"/>
+    <p:sldLayoutId id="2147483676" r:id="rId4"/>
+    <p:sldLayoutId id="2147483677" r:id="rId5"/>
+    <p:sldLayoutId id="2147483678" r:id="rId6"/>
+    <p:sldLayoutId id="2147483679" r:id="rId7"/>
+    <p:sldLayoutId id="2147483680" r:id="rId8"/>
+    <p:sldLayoutId id="2147483681" r:id="rId9"/>
+    <p:sldLayoutId id="2147483682" r:id="rId10"/>
+    <p:sldLayoutId id="2147483683" r:id="rId11"/>
   </p:sldLayoutIdLst>
   <p:txStyles>
     <p:titleStyle>
-      <a:lvl1pPr algn="l" defTabSz="685800" rtl="0" eaLnBrk="1" latinLnBrk="0" hangingPunct="1">
+      <a:lvl1pPr algn="l" defTabSz="972007" rtl="0" eaLnBrk="1" latinLnBrk="0" hangingPunct="1">
         <a:lnSpc>
           <a:spcPct val="90000"/>
         </a:lnSpc>
@@ -2683,7 +2684,7 @@
           <a:spcPct val="0"/>
         </a:spcBef>
         <a:buNone/>
-        <a:defRPr sz="3300" kern="1200">
+        <a:defRPr sz="4677" kern="1200">
           <a:solidFill>
             <a:schemeClr val="tx1"/>
           </a:solidFill>
@@ -2694,16 +2695,16 @@
       </a:lvl1pPr>
     </p:titleStyle>
     <p:bodyStyle>
-      <a:lvl1pPr marL="171450" indent="-171450" algn="l" defTabSz="685800" rtl="0" eaLnBrk="1" latinLnBrk="0" hangingPunct="1">
+      <a:lvl1pPr marL="243002" indent="-243002" algn="l" defTabSz="972007" rtl="0" eaLnBrk="1" latinLnBrk="0" hangingPunct="1">
         <a:lnSpc>
           <a:spcPct val="90000"/>
         </a:lnSpc>
         <a:spcBef>
-          <a:spcPts val="750"/>
+          <a:spcPts val="1063"/>
         </a:spcBef>
         <a:buFont typeface="Arial" panose="020B0604020202020204" pitchFamily="34" charset="0"/>
         <a:buChar char="•"/>
-        <a:defRPr sz="2100" kern="1200">
+        <a:defRPr sz="2976" kern="1200">
           <a:solidFill>
             <a:schemeClr val="tx1"/>
           </a:solidFill>
@@ -2712,16 +2713,16 @@
           <a:cs typeface="+mn-cs"/>
         </a:defRPr>
       </a:lvl1pPr>
-      <a:lvl2pPr marL="514350" indent="-171450" algn="l" defTabSz="685800" rtl="0" eaLnBrk="1" latinLnBrk="0" hangingPunct="1">
+      <a:lvl2pPr marL="729005" indent="-243002" algn="l" defTabSz="972007" rtl="0" eaLnBrk="1" latinLnBrk="0" hangingPunct="1">
         <a:lnSpc>
           <a:spcPct val="90000"/>
         </a:lnSpc>
         <a:spcBef>
-          <a:spcPts val="375"/>
+          <a:spcPts val="532"/>
         </a:spcBef>
         <a:buFont typeface="Arial" panose="020B0604020202020204" pitchFamily="34" charset="0"/>
         <a:buChar char="•"/>
-        <a:defRPr sz="1800" kern="1200">
+        <a:defRPr sz="2551" kern="1200">
           <a:solidFill>
             <a:schemeClr val="tx1"/>
           </a:solidFill>
@@ -2730,16 +2731,16 @@
           <a:cs typeface="+mn-cs"/>
         </a:defRPr>
       </a:lvl2pPr>
-      <a:lvl3pPr marL="857250" indent="-171450" algn="l" defTabSz="685800" rtl="0" eaLnBrk="1" latinLnBrk="0" hangingPunct="1">
+      <a:lvl3pPr marL="1215009" indent="-243002" algn="l" defTabSz="972007" rtl="0" eaLnBrk="1" latinLnBrk="0" hangingPunct="1">
         <a:lnSpc>
           <a:spcPct val="90000"/>
         </a:lnSpc>
         <a:spcBef>
-          <a:spcPts val="375"/>
+          <a:spcPts val="532"/>
         </a:spcBef>
         <a:buFont typeface="Arial" panose="020B0604020202020204" pitchFamily="34" charset="0"/>
         <a:buChar char="•"/>
-        <a:defRPr sz="1500" kern="1200">
+        <a:defRPr sz="2126" kern="1200">
           <a:solidFill>
             <a:schemeClr val="tx1"/>
           </a:solidFill>
@@ -2748,16 +2749,16 @@
           <a:cs typeface="+mn-cs"/>
         </a:defRPr>
       </a:lvl3pPr>
-      <a:lvl4pPr marL="1200150" indent="-171450" algn="l" defTabSz="685800" rtl="0" eaLnBrk="1" latinLnBrk="0" hangingPunct="1">
+      <a:lvl4pPr marL="1701013" indent="-243002" algn="l" defTabSz="972007" rtl="0" eaLnBrk="1" latinLnBrk="0" hangingPunct="1">
         <a:lnSpc>
           <a:spcPct val="90000"/>
         </a:lnSpc>
         <a:spcBef>
-          <a:spcPts val="375"/>
+          <a:spcPts val="532"/>
         </a:spcBef>
         <a:buFont typeface="Arial" panose="020B0604020202020204" pitchFamily="34" charset="0"/>
         <a:buChar char="•"/>
-        <a:defRPr sz="1350" kern="1200">
+        <a:defRPr sz="1913" kern="1200">
           <a:solidFill>
             <a:schemeClr val="tx1"/>
           </a:solidFill>
@@ -2766,16 +2767,16 @@
           <a:cs typeface="+mn-cs"/>
         </a:defRPr>
       </a:lvl4pPr>
-      <a:lvl5pPr marL="1543050" indent="-171450" algn="l" defTabSz="685800" rtl="0" eaLnBrk="1" latinLnBrk="0" hangingPunct="1">
+      <a:lvl5pPr marL="2187016" indent="-243002" algn="l" defTabSz="972007" rtl="0" eaLnBrk="1" latinLnBrk="0" hangingPunct="1">
         <a:lnSpc>
           <a:spcPct val="90000"/>
         </a:lnSpc>
         <a:spcBef>
-          <a:spcPts val="375"/>
+          <a:spcPts val="532"/>
         </a:spcBef>
         <a:buFont typeface="Arial" panose="020B0604020202020204" pitchFamily="34" charset="0"/>
         <a:buChar char="•"/>
-        <a:defRPr sz="1350" kern="1200">
+        <a:defRPr sz="1913" kern="1200">
           <a:solidFill>
             <a:schemeClr val="tx1"/>
           </a:solidFill>
@@ -2784,16 +2785,16 @@
           <a:cs typeface="+mn-cs"/>
         </a:defRPr>
       </a:lvl5pPr>
-      <a:lvl6pPr marL="1885950" indent="-171450" algn="l" defTabSz="685800" rtl="0" eaLnBrk="1" latinLnBrk="0" hangingPunct="1">
+      <a:lvl6pPr marL="2673020" indent="-243002" algn="l" defTabSz="972007" rtl="0" eaLnBrk="1" latinLnBrk="0" hangingPunct="1">
         <a:lnSpc>
           <a:spcPct val="90000"/>
         </a:lnSpc>
         <a:spcBef>
-          <a:spcPts val="375"/>
+          <a:spcPts val="532"/>
         </a:spcBef>
         <a:buFont typeface="Arial" panose="020B0604020202020204" pitchFamily="34" charset="0"/>
         <a:buChar char="•"/>
-        <a:defRPr sz="1350" kern="1200">
+        <a:defRPr sz="1913" kern="1200">
           <a:solidFill>
             <a:schemeClr val="tx1"/>
           </a:solidFill>
@@ -2802,16 +2803,16 @@
           <a:cs typeface="+mn-cs"/>
         </a:defRPr>
       </a:lvl6pPr>
-      <a:lvl7pPr marL="2228850" indent="-171450" algn="l" defTabSz="685800" rtl="0" eaLnBrk="1" latinLnBrk="0" hangingPunct="1">
+      <a:lvl7pPr marL="3159023" indent="-243002" algn="l" defTabSz="972007" rtl="0" eaLnBrk="1" latinLnBrk="0" hangingPunct="1">
         <a:lnSpc>
           <a:spcPct val="90000"/>
         </a:lnSpc>
         <a:spcBef>
-          <a:spcPts val="375"/>
+          <a:spcPts val="532"/>
         </a:spcBef>
         <a:buFont typeface="Arial" panose="020B0604020202020204" pitchFamily="34" charset="0"/>
         <a:buChar char="•"/>
-        <a:defRPr sz="1350" kern="1200">
+        <a:defRPr sz="1913" kern="1200">
           <a:solidFill>
             <a:schemeClr val="tx1"/>
           </a:solidFill>
@@ -2820,16 +2821,16 @@
           <a:cs typeface="+mn-cs"/>
         </a:defRPr>
       </a:lvl7pPr>
-      <a:lvl8pPr marL="2571750" indent="-171450" algn="l" defTabSz="685800" rtl="0" eaLnBrk="1" latinLnBrk="0" hangingPunct="1">
+      <a:lvl8pPr marL="3645027" indent="-243002" algn="l" defTabSz="972007" rtl="0" eaLnBrk="1" latinLnBrk="0" hangingPunct="1">
         <a:lnSpc>
           <a:spcPct val="90000"/>
         </a:lnSpc>
         <a:spcBef>
-          <a:spcPts val="375"/>
+          <a:spcPts val="532"/>
         </a:spcBef>
         <a:buFont typeface="Arial" panose="020B0604020202020204" pitchFamily="34" charset="0"/>
         <a:buChar char="•"/>
-        <a:defRPr sz="1350" kern="1200">
+        <a:defRPr sz="1913" kern="1200">
           <a:solidFill>
             <a:schemeClr val="tx1"/>
           </a:solidFill>
@@ -2838,16 +2839,16 @@
           <a:cs typeface="+mn-cs"/>
         </a:defRPr>
       </a:lvl8pPr>
-      <a:lvl9pPr marL="2914650" indent="-171450" algn="l" defTabSz="685800" rtl="0" eaLnBrk="1" latinLnBrk="0" hangingPunct="1">
+      <a:lvl9pPr marL="4131031" indent="-243002" algn="l" defTabSz="972007" rtl="0" eaLnBrk="1" latinLnBrk="0" hangingPunct="1">
         <a:lnSpc>
           <a:spcPct val="90000"/>
         </a:lnSpc>
         <a:spcBef>
-          <a:spcPts val="375"/>
+          <a:spcPts val="532"/>
         </a:spcBef>
         <a:buFont typeface="Arial" panose="020B0604020202020204" pitchFamily="34" charset="0"/>
         <a:buChar char="•"/>
-        <a:defRPr sz="1350" kern="1200">
+        <a:defRPr sz="1913" kern="1200">
           <a:solidFill>
             <a:schemeClr val="tx1"/>
           </a:solidFill>
@@ -2861,8 +2862,8 @@
       <a:defPPr>
         <a:defRPr lang="en-US"/>
       </a:defPPr>
-      <a:lvl1pPr marL="0" algn="l" defTabSz="685800" rtl="0" eaLnBrk="1" latinLnBrk="0" hangingPunct="1">
-        <a:defRPr sz="1350" kern="1200">
+      <a:lvl1pPr marL="0" algn="l" defTabSz="972007" rtl="0" eaLnBrk="1" latinLnBrk="0" hangingPunct="1">
+        <a:defRPr sz="1913" kern="1200">
           <a:solidFill>
             <a:schemeClr val="tx1"/>
           </a:solidFill>
@@ -2871,8 +2872,8 @@
           <a:cs typeface="+mn-cs"/>
         </a:defRPr>
       </a:lvl1pPr>
-      <a:lvl2pPr marL="342900" algn="l" defTabSz="685800" rtl="0" eaLnBrk="1" latinLnBrk="0" hangingPunct="1">
-        <a:defRPr sz="1350" kern="1200">
+      <a:lvl2pPr marL="486004" algn="l" defTabSz="972007" rtl="0" eaLnBrk="1" latinLnBrk="0" hangingPunct="1">
+        <a:defRPr sz="1913" kern="1200">
           <a:solidFill>
             <a:schemeClr val="tx1"/>
           </a:solidFill>
@@ -2881,8 +2882,8 @@
           <a:cs typeface="+mn-cs"/>
         </a:defRPr>
       </a:lvl2pPr>
-      <a:lvl3pPr marL="685800" algn="l" defTabSz="685800" rtl="0" eaLnBrk="1" latinLnBrk="0" hangingPunct="1">
-        <a:defRPr sz="1350" kern="1200">
+      <a:lvl3pPr marL="972007" algn="l" defTabSz="972007" rtl="0" eaLnBrk="1" latinLnBrk="0" hangingPunct="1">
+        <a:defRPr sz="1913" kern="1200">
           <a:solidFill>
             <a:schemeClr val="tx1"/>
           </a:solidFill>
@@ -2891,8 +2892,8 @@
           <a:cs typeface="+mn-cs"/>
         </a:defRPr>
       </a:lvl3pPr>
-      <a:lvl4pPr marL="1028700" algn="l" defTabSz="685800" rtl="0" eaLnBrk="1" latinLnBrk="0" hangingPunct="1">
-        <a:defRPr sz="1350" kern="1200">
+      <a:lvl4pPr marL="1458011" algn="l" defTabSz="972007" rtl="0" eaLnBrk="1" latinLnBrk="0" hangingPunct="1">
+        <a:defRPr sz="1913" kern="1200">
           <a:solidFill>
             <a:schemeClr val="tx1"/>
           </a:solidFill>
@@ -2901,8 +2902,8 @@
           <a:cs typeface="+mn-cs"/>
         </a:defRPr>
       </a:lvl4pPr>
-      <a:lvl5pPr marL="1371600" algn="l" defTabSz="685800" rtl="0" eaLnBrk="1" latinLnBrk="0" hangingPunct="1">
-        <a:defRPr sz="1350" kern="1200">
+      <a:lvl5pPr marL="1944014" algn="l" defTabSz="972007" rtl="0" eaLnBrk="1" latinLnBrk="0" hangingPunct="1">
+        <a:defRPr sz="1913" kern="1200">
           <a:solidFill>
             <a:schemeClr val="tx1"/>
           </a:solidFill>
@@ -2911,8 +2912,8 @@
           <a:cs typeface="+mn-cs"/>
         </a:defRPr>
       </a:lvl5pPr>
-      <a:lvl6pPr marL="1714500" algn="l" defTabSz="685800" rtl="0" eaLnBrk="1" latinLnBrk="0" hangingPunct="1">
-        <a:defRPr sz="1350" kern="1200">
+      <a:lvl6pPr marL="2430018" algn="l" defTabSz="972007" rtl="0" eaLnBrk="1" latinLnBrk="0" hangingPunct="1">
+        <a:defRPr sz="1913" kern="1200">
           <a:solidFill>
             <a:schemeClr val="tx1"/>
           </a:solidFill>
@@ -2921,8 +2922,8 @@
           <a:cs typeface="+mn-cs"/>
         </a:defRPr>
       </a:lvl6pPr>
-      <a:lvl7pPr marL="2057400" algn="l" defTabSz="685800" rtl="0" eaLnBrk="1" latinLnBrk="0" hangingPunct="1">
-        <a:defRPr sz="1350" kern="1200">
+      <a:lvl7pPr marL="2916022" algn="l" defTabSz="972007" rtl="0" eaLnBrk="1" latinLnBrk="0" hangingPunct="1">
+        <a:defRPr sz="1913" kern="1200">
           <a:solidFill>
             <a:schemeClr val="tx1"/>
           </a:solidFill>
@@ -2931,8 +2932,8 @@
           <a:cs typeface="+mn-cs"/>
         </a:defRPr>
       </a:lvl7pPr>
-      <a:lvl8pPr marL="2400300" algn="l" defTabSz="685800" rtl="0" eaLnBrk="1" latinLnBrk="0" hangingPunct="1">
-        <a:defRPr sz="1350" kern="1200">
+      <a:lvl8pPr marL="3402025" algn="l" defTabSz="972007" rtl="0" eaLnBrk="1" latinLnBrk="0" hangingPunct="1">
+        <a:defRPr sz="1913" kern="1200">
           <a:solidFill>
             <a:schemeClr val="tx1"/>
           </a:solidFill>
@@ -2941,8 +2942,8 @@
           <a:cs typeface="+mn-cs"/>
         </a:defRPr>
       </a:lvl8pPr>
-      <a:lvl9pPr marL="2743200" algn="l" defTabSz="685800" rtl="0" eaLnBrk="1" latinLnBrk="0" hangingPunct="1">
-        <a:defRPr sz="1350" kern="1200">
+      <a:lvl9pPr marL="3888029" algn="l" defTabSz="972007" rtl="0" eaLnBrk="1" latinLnBrk="0" hangingPunct="1">
+        <a:defRPr sz="1913" kern="1200">
           <a:solidFill>
             <a:schemeClr val="tx1"/>
           </a:solidFill>
@@ -2994,7 +2995,7 @@
           </p:nvPr>
         </p:nvGraphicFramePr>
         <p:xfrm>
-          <a:off x="254000" y="573612"/>
+          <a:off x="1685132" y="573612"/>
           <a:ext cx="6266263" cy="7475608"/>
         </p:xfrm>
         <a:graphic>
@@ -19718,13 +19719,13 @@
         </p:nvSpPr>
         <p:spPr>
           <a:xfrm>
-            <a:off x="337737" y="8547947"/>
+            <a:off x="1768868" y="8547947"/>
             <a:ext cx="6182526" cy="657468"/>
           </a:xfrm>
         </p:spPr>
         <p:txBody>
           <a:bodyPr>
-            <a:normAutofit lnSpcReduction="10000"/>
+            <a:normAutofit fontScale="92500" lnSpcReduction="10000"/>
           </a:bodyPr>
           <a:lstStyle/>
           <a:p>
@@ -19798,7 +19799,7 @@
         </p:nvSpPr>
         <p:spPr>
           <a:xfrm>
-            <a:off x="720902" y="6636531"/>
+            <a:off x="2152034" y="6636531"/>
             <a:ext cx="5689105" cy="2391656"/>
           </a:xfrm>
         </p:spPr>
@@ -19813,7 +19814,7 @@
               <a:rPr lang="en-US" sz="1200" dirty="0">
                 <a:latin typeface="Arial Narrow" panose="020B0606020202030204" pitchFamily="34" charset="0"/>
               </a:rPr>
-              <a:t>Figure 1: percent of (a) ULBP or (b) NK cells colocalized subepidermal plexus (SEP) in controls (green), fibromyalgia (FM) patients (orange), and, FM patients with intraepidermal nerve fiber (IENF) deficiency. </a:t>
+              <a:t>Figure 1: percent of (a) ULBP or (b) NK cells colocalized subepidermal plexus (SEP) in controls (green), fibromyalgia (FM) patients (orange), and FM patients with intraepidermal nerve fiber (IENF) deficiency (red). </a:t>
             </a:r>
             <a:endParaRPr lang="en-CA" sz="1200" dirty="0">
               <a:latin typeface="Arial Narrow" panose="020B0606020202030204" pitchFamily="34" charset="0"/>
@@ -19843,7 +19844,7 @@
         </p:blipFill>
         <p:spPr>
           <a:xfrm>
-            <a:off x="720573" y="2063417"/>
+            <a:off x="2151705" y="2063418"/>
             <a:ext cx="2146723" cy="3825937"/>
           </a:xfrm>
           <a:prstGeom prst="rect">
@@ -19873,7 +19874,7 @@
         </p:blipFill>
         <p:spPr>
           <a:xfrm>
-            <a:off x="3565455" y="2063417"/>
+            <a:off x="4996587" y="2063418"/>
             <a:ext cx="2146723" cy="3825937"/>
           </a:xfrm>
           <a:prstGeom prst="rect">
@@ -19895,7 +19896,7 @@
         </p:nvSpPr>
         <p:spPr>
           <a:xfrm>
-            <a:off x="489740" y="2733939"/>
+            <a:off x="1920872" y="2733939"/>
             <a:ext cx="461665" cy="1711366"/>
           </a:xfrm>
           <a:prstGeom prst="rect">
@@ -19932,7 +19933,7 @@
         </p:nvSpPr>
         <p:spPr>
           <a:xfrm>
-            <a:off x="3103790" y="2863782"/>
+            <a:off x="4534922" y="2863783"/>
             <a:ext cx="461665" cy="1451679"/>
           </a:xfrm>
           <a:prstGeom prst="rect">
@@ -19977,7 +19978,7 @@
         </p:blipFill>
         <p:spPr>
           <a:xfrm>
-            <a:off x="1482425" y="1772653"/>
+            <a:off x="2913557" y="1772653"/>
             <a:ext cx="1054699" cy="463336"/>
           </a:xfrm>
           <a:prstGeom prst="rect">
@@ -20007,7 +20008,7 @@
         </p:blipFill>
         <p:spPr>
           <a:xfrm>
-            <a:off x="4258963" y="1772653"/>
+            <a:off x="5690095" y="1772653"/>
             <a:ext cx="1054699" cy="463336"/>
           </a:xfrm>
           <a:prstGeom prst="rect">
@@ -20029,7 +20030,7 @@
         </p:nvSpPr>
         <p:spPr>
           <a:xfrm>
-            <a:off x="857250" y="6134471"/>
+            <a:off x="2288382" y="6134471"/>
             <a:ext cx="394501" cy="266330"/>
           </a:xfrm>
           <a:prstGeom prst="rect">
@@ -20083,7 +20084,7 @@
         </p:nvSpPr>
         <p:spPr>
           <a:xfrm>
-            <a:off x="2239718" y="6134471"/>
+            <a:off x="3670850" y="6134471"/>
             <a:ext cx="394501" cy="266330"/>
           </a:xfrm>
           <a:prstGeom prst="rect">
@@ -20137,7 +20138,7 @@
         </p:nvSpPr>
         <p:spPr>
           <a:xfrm>
-            <a:off x="3516654" y="6134471"/>
+            <a:off x="4947786" y="6134471"/>
             <a:ext cx="394501" cy="266330"/>
           </a:xfrm>
           <a:prstGeom prst="rect">
@@ -20191,8 +20192,8 @@
         </p:nvSpPr>
         <p:spPr>
           <a:xfrm>
-            <a:off x="1223205" y="6073583"/>
-            <a:ext cx="976358" cy="369332"/>
+            <a:off x="2654336" y="5925666"/>
+            <a:ext cx="976358" cy="646331"/>
           </a:xfrm>
           <a:prstGeom prst="rect">
             <a:avLst/>
@@ -20204,12 +20205,23 @@
           </a:bodyPr>
           <a:lstStyle/>
           <a:p>
+            <a:pPr algn="ctr"/>
             <a:r>
               <a:rPr lang="en-CA" b="1" dirty="0">
                 <a:latin typeface="Cambria" panose="02040503050406030204" pitchFamily="18" charset="0"/>
                 <a:ea typeface="Cambria" panose="02040503050406030204" pitchFamily="18" charset="0"/>
               </a:rPr>
               <a:t>Control</a:t>
+            </a:r>
+          </a:p>
+          <a:p>
+            <a:pPr algn="ctr"/>
+            <a:r>
+              <a:rPr lang="en-CA" b="1" dirty="0">
+                <a:latin typeface="Cambria" panose="02040503050406030204" pitchFamily="18" charset="0"/>
+                <a:ea typeface="Cambria" panose="02040503050406030204" pitchFamily="18" charset="0"/>
+              </a:rPr>
+              <a:t>(n=11)</a:t>
             </a:r>
           </a:p>
         </p:txBody>
@@ -20228,8 +20240,8 @@
         </p:nvSpPr>
         <p:spPr>
           <a:xfrm>
-            <a:off x="2624751" y="6083716"/>
-            <a:ext cx="506870" cy="369332"/>
+            <a:off x="4055882" y="5935799"/>
+            <a:ext cx="785793" cy="646331"/>
           </a:xfrm>
           <a:prstGeom prst="rect">
             <a:avLst/>
@@ -20241,12 +20253,23 @@
           </a:bodyPr>
           <a:lstStyle/>
           <a:p>
+            <a:pPr algn="ctr"/>
             <a:r>
               <a:rPr lang="en-CA" b="1" dirty="0">
                 <a:latin typeface="Cambria" panose="02040503050406030204" pitchFamily="18" charset="0"/>
                 <a:ea typeface="Cambria" panose="02040503050406030204" pitchFamily="18" charset="0"/>
               </a:rPr>
-              <a:t>FM</a:t>
+              <a:t>FMS</a:t>
+            </a:r>
+          </a:p>
+          <a:p>
+            <a:pPr algn="ctr"/>
+            <a:r>
+              <a:rPr lang="en-CA" b="1" dirty="0">
+                <a:latin typeface="Cambria" panose="02040503050406030204" pitchFamily="18" charset="0"/>
+                <a:ea typeface="Cambria" panose="02040503050406030204" pitchFamily="18" charset="0"/>
+              </a:rPr>
+              <a:t>(n=7)</a:t>
             </a:r>
           </a:p>
         </p:txBody>
@@ -20265,8 +20288,8 @@
         </p:nvSpPr>
         <p:spPr>
           <a:xfrm>
-            <a:off x="3911155" y="6082970"/>
-            <a:ext cx="2374368" cy="369332"/>
+            <a:off x="5342286" y="5935053"/>
+            <a:ext cx="2492990" cy="646331"/>
           </a:xfrm>
           <a:prstGeom prst="rect">
             <a:avLst/>
@@ -20278,12 +20301,23 @@
           </a:bodyPr>
           <a:lstStyle/>
           <a:p>
+            <a:pPr algn="ctr"/>
             <a:r>
               <a:rPr lang="en-CA" b="1" dirty="0">
                 <a:latin typeface="Cambria" panose="02040503050406030204" pitchFamily="18" charset="0"/>
                 <a:ea typeface="Cambria" panose="02040503050406030204" pitchFamily="18" charset="0"/>
               </a:rPr>
-              <a:t>FM + IENF deficiency</a:t>
+              <a:t>FMS + IENF deficiency</a:t>
+            </a:r>
+          </a:p>
+          <a:p>
+            <a:pPr algn="ctr"/>
+            <a:r>
+              <a:rPr lang="en-CA" b="1" dirty="0">
+                <a:latin typeface="Cambria" panose="02040503050406030204" pitchFamily="18" charset="0"/>
+                <a:ea typeface="Cambria" panose="02040503050406030204" pitchFamily="18" charset="0"/>
+              </a:rPr>
+              <a:t>(n=10)</a:t>
             </a:r>
           </a:p>
         </p:txBody>
@@ -20302,7 +20336,7 @@
         </p:nvSpPr>
         <p:spPr>
           <a:xfrm>
-            <a:off x="1510733" y="1856253"/>
+            <a:off x="2941865" y="1856254"/>
             <a:ext cx="794781" cy="307777"/>
           </a:xfrm>
           <a:prstGeom prst="rect">
@@ -20344,7 +20378,7 @@
         </p:nvSpPr>
         <p:spPr>
           <a:xfrm>
-            <a:off x="1739303" y="1492248"/>
+            <a:off x="3170435" y="1492249"/>
             <a:ext cx="794781" cy="307777"/>
           </a:xfrm>
           <a:prstGeom prst="rect">
@@ -20386,7 +20420,7 @@
         </p:nvSpPr>
         <p:spPr>
           <a:xfrm>
-            <a:off x="1982101" y="1745423"/>
+            <a:off x="3413233" y="1745424"/>
             <a:ext cx="794781" cy="307777"/>
           </a:xfrm>
           <a:prstGeom prst="rect">
@@ -20428,7 +20462,7 @@
         </p:nvSpPr>
         <p:spPr>
           <a:xfrm>
-            <a:off x="4768556" y="1745423"/>
+            <a:off x="6199688" y="1745424"/>
             <a:ext cx="794781" cy="307777"/>
           </a:xfrm>
           <a:prstGeom prst="rect">
@@ -20470,7 +20504,7 @@
         </p:nvSpPr>
         <p:spPr>
           <a:xfrm>
-            <a:off x="4297828" y="1844934"/>
+            <a:off x="5728960" y="1844935"/>
             <a:ext cx="794781" cy="307777"/>
           </a:xfrm>
           <a:prstGeom prst="rect">
@@ -20512,7 +20546,7 @@
         </p:nvSpPr>
         <p:spPr>
           <a:xfrm>
-            <a:off x="4537593" y="1500306"/>
+            <a:off x="5968725" y="1500307"/>
             <a:ext cx="794781" cy="307777"/>
           </a:xfrm>
           <a:prstGeom prst="rect">
@@ -20540,6 +20574,80 @@
           </a:p>
         </p:txBody>
       </p:sp>
+      <p:sp>
+        <p:nvSpPr>
+          <p:cNvPr id="21" name="TextBox 20">
+            <a:extLst>
+              <a:ext uri="{FF2B5EF4-FFF2-40B4-BE49-F238E27FC236}">
+                <a16:creationId xmlns:a16="http://schemas.microsoft.com/office/drawing/2014/main" id="{56D2D37D-FB73-49A2-8E30-0A948F4C4ED3}"/>
+              </a:ext>
+            </a:extLst>
+          </p:cNvPr>
+          <p:cNvSpPr txBox="1"/>
+          <p:nvPr/>
+        </p:nvSpPr>
+        <p:spPr>
+          <a:xfrm>
+            <a:off x="1956923" y="1289890"/>
+            <a:ext cx="423514" cy="369332"/>
+          </a:xfrm>
+          <a:prstGeom prst="rect">
+            <a:avLst/>
+          </a:prstGeom>
+          <a:noFill/>
+        </p:spPr>
+        <p:txBody>
+          <a:bodyPr wrap="none" rtlCol="0">
+            <a:spAutoFit/>
+          </a:bodyPr>
+          <a:lstStyle/>
+          <a:p>
+            <a:r>
+              <a:rPr lang="en-CA" dirty="0">
+                <a:latin typeface="Arial Rounded MT Bold" panose="020F0704030504030204" pitchFamily="34" charset="0"/>
+              </a:rPr>
+              <a:t>A.</a:t>
+            </a:r>
+          </a:p>
+        </p:txBody>
+      </p:sp>
+      <p:sp>
+        <p:nvSpPr>
+          <p:cNvPr id="22" name="TextBox 21">
+            <a:extLst>
+              <a:ext uri="{FF2B5EF4-FFF2-40B4-BE49-F238E27FC236}">
+                <a16:creationId xmlns:a16="http://schemas.microsoft.com/office/drawing/2014/main" id="{F13E34DC-71DE-40DF-831D-64968140F341}"/>
+              </a:ext>
+            </a:extLst>
+          </p:cNvPr>
+          <p:cNvSpPr txBox="1"/>
+          <p:nvPr/>
+        </p:nvSpPr>
+        <p:spPr>
+          <a:xfrm>
+            <a:off x="4577550" y="1284862"/>
+            <a:ext cx="411779" cy="369332"/>
+          </a:xfrm>
+          <a:prstGeom prst="rect">
+            <a:avLst/>
+          </a:prstGeom>
+          <a:noFill/>
+        </p:spPr>
+        <p:txBody>
+          <a:bodyPr wrap="none" rtlCol="0">
+            <a:spAutoFit/>
+          </a:bodyPr>
+          <a:lstStyle/>
+          <a:p>
+            <a:r>
+              <a:rPr lang="en-CA" dirty="0">
+                <a:latin typeface="Arial Rounded MT Bold" panose="020F0704030504030204" pitchFamily="34" charset="0"/>
+              </a:rPr>
+              <a:t>B.</a:t>
+            </a:r>
+          </a:p>
+        </p:txBody>
+      </p:sp>
     </p:spTree>
     <p:extLst>
       <p:ext uri="{BB962C8B-B14F-4D97-AF65-F5344CB8AC3E}">
@@ -20554,6 +20662,340 @@
 </file>
 
 <file path=ppt/slides/slide3.xml><?xml version="1.0" encoding="utf-8"?>
+<p:sld xmlns:a="http://schemas.openxmlformats.org/drawingml/2006/main" xmlns:r="http://schemas.openxmlformats.org/officeDocument/2006/relationships" xmlns:p="http://schemas.openxmlformats.org/presentationml/2006/main">
+  <p:cSld>
+    <p:spTree>
+      <p:nvGrpSpPr>
+        <p:cNvPr id="1" name=""/>
+        <p:cNvGrpSpPr/>
+        <p:nvPr/>
+      </p:nvGrpSpPr>
+      <p:grpSpPr>
+        <a:xfrm>
+          <a:off x="0" y="0"/>
+          <a:ext cx="0" cy="0"/>
+          <a:chOff x="0" y="0"/>
+          <a:chExt cx="0" cy="0"/>
+        </a:xfrm>
+      </p:grpSpPr>
+      <p:sp>
+        <p:nvSpPr>
+          <p:cNvPr id="9" name="Rectangle 8">
+            <a:extLst>
+              <a:ext uri="{FF2B5EF4-FFF2-40B4-BE49-F238E27FC236}">
+                <a16:creationId xmlns:a16="http://schemas.microsoft.com/office/drawing/2014/main" id="{CDDF5D38-8F41-4D7D-B69E-12DFDDC9BC50}"/>
+              </a:ext>
+            </a:extLst>
+          </p:cNvPr>
+          <p:cNvSpPr/>
+          <p:nvPr/>
+        </p:nvSpPr>
+        <p:spPr>
+          <a:xfrm>
+            <a:off x="2234593" y="6134471"/>
+            <a:ext cx="394501" cy="266330"/>
+          </a:xfrm>
+          <a:prstGeom prst="rect">
+            <a:avLst/>
+          </a:prstGeom>
+          <a:solidFill>
+            <a:srgbClr val="4BB269"/>
+          </a:solidFill>
+          <a:ln w="28575">
+            <a:solidFill>
+              <a:schemeClr val="tx1"/>
+            </a:solidFill>
+          </a:ln>
+        </p:spPr>
+        <p:style>
+          <a:lnRef idx="2">
+            <a:schemeClr val="accent1">
+              <a:shade val="50000"/>
+            </a:schemeClr>
+          </a:lnRef>
+          <a:fillRef idx="1">
+            <a:schemeClr val="accent1"/>
+          </a:fillRef>
+          <a:effectRef idx="0">
+            <a:schemeClr val="accent1"/>
+          </a:effectRef>
+          <a:fontRef idx="minor">
+            <a:schemeClr val="lt1"/>
+          </a:fontRef>
+        </p:style>
+        <p:txBody>
+          <a:bodyPr rtlCol="0" anchor="ctr"/>
+          <a:lstStyle/>
+          <a:p>
+            <a:pPr algn="ctr"/>
+            <a:endParaRPr lang="en-CA"/>
+          </a:p>
+        </p:txBody>
+      </p:sp>
+      <p:sp>
+        <p:nvSpPr>
+          <p:cNvPr id="10" name="Rectangle 9">
+            <a:extLst>
+              <a:ext uri="{FF2B5EF4-FFF2-40B4-BE49-F238E27FC236}">
+                <a16:creationId xmlns:a16="http://schemas.microsoft.com/office/drawing/2014/main" id="{87A7E779-43F6-4EE4-B42F-B8526DC2E2EB}"/>
+              </a:ext>
+            </a:extLst>
+          </p:cNvPr>
+          <p:cNvSpPr/>
+          <p:nvPr/>
+        </p:nvSpPr>
+        <p:spPr>
+          <a:xfrm>
+            <a:off x="2234593" y="6916141"/>
+            <a:ext cx="394501" cy="266330"/>
+          </a:xfrm>
+          <a:prstGeom prst="rect">
+            <a:avLst/>
+          </a:prstGeom>
+          <a:solidFill>
+            <a:srgbClr val="FFA500"/>
+          </a:solidFill>
+          <a:ln w="28575">
+            <a:solidFill>
+              <a:schemeClr val="tx1"/>
+            </a:solidFill>
+          </a:ln>
+        </p:spPr>
+        <p:style>
+          <a:lnRef idx="2">
+            <a:schemeClr val="accent1">
+              <a:shade val="50000"/>
+            </a:schemeClr>
+          </a:lnRef>
+          <a:fillRef idx="1">
+            <a:schemeClr val="accent1"/>
+          </a:fillRef>
+          <a:effectRef idx="0">
+            <a:schemeClr val="accent1"/>
+          </a:effectRef>
+          <a:fontRef idx="minor">
+            <a:schemeClr val="lt1"/>
+          </a:fontRef>
+        </p:style>
+        <p:txBody>
+          <a:bodyPr rtlCol="0" anchor="ctr"/>
+          <a:lstStyle/>
+          <a:p>
+            <a:pPr algn="ctr"/>
+            <a:endParaRPr lang="en-CA"/>
+          </a:p>
+        </p:txBody>
+      </p:sp>
+      <p:sp>
+        <p:nvSpPr>
+          <p:cNvPr id="11" name="Rectangle 10">
+            <a:extLst>
+              <a:ext uri="{FF2B5EF4-FFF2-40B4-BE49-F238E27FC236}">
+                <a16:creationId xmlns:a16="http://schemas.microsoft.com/office/drawing/2014/main" id="{BF727512-9EF6-4F91-9846-C311407F929F}"/>
+              </a:ext>
+            </a:extLst>
+          </p:cNvPr>
+          <p:cNvSpPr/>
+          <p:nvPr/>
+        </p:nvSpPr>
+        <p:spPr>
+          <a:xfrm>
+            <a:off x="2234593" y="7697812"/>
+            <a:ext cx="394501" cy="266330"/>
+          </a:xfrm>
+          <a:prstGeom prst="rect">
+            <a:avLst/>
+          </a:prstGeom>
+          <a:solidFill>
+            <a:srgbClr val="BC3A3A"/>
+          </a:solidFill>
+          <a:ln w="28575">
+            <a:solidFill>
+              <a:schemeClr val="tx1"/>
+            </a:solidFill>
+          </a:ln>
+        </p:spPr>
+        <p:style>
+          <a:lnRef idx="2">
+            <a:schemeClr val="accent1">
+              <a:shade val="50000"/>
+            </a:schemeClr>
+          </a:lnRef>
+          <a:fillRef idx="1">
+            <a:schemeClr val="accent1"/>
+          </a:fillRef>
+          <a:effectRef idx="0">
+            <a:schemeClr val="accent1"/>
+          </a:effectRef>
+          <a:fontRef idx="minor">
+            <a:schemeClr val="lt1"/>
+          </a:fontRef>
+        </p:style>
+        <p:txBody>
+          <a:bodyPr rtlCol="0" anchor="ctr"/>
+          <a:lstStyle/>
+          <a:p>
+            <a:pPr algn="ctr"/>
+            <a:endParaRPr lang="en-CA"/>
+          </a:p>
+        </p:txBody>
+      </p:sp>
+      <p:sp>
+        <p:nvSpPr>
+          <p:cNvPr id="12" name="Rectangle 11">
+            <a:extLst>
+              <a:ext uri="{FF2B5EF4-FFF2-40B4-BE49-F238E27FC236}">
+                <a16:creationId xmlns:a16="http://schemas.microsoft.com/office/drawing/2014/main" id="{47C0C5A0-D871-4946-9428-1F5438E0F92C}"/>
+              </a:ext>
+            </a:extLst>
+          </p:cNvPr>
+          <p:cNvSpPr/>
+          <p:nvPr/>
+        </p:nvSpPr>
+        <p:spPr>
+          <a:xfrm>
+            <a:off x="2654336" y="5925666"/>
+            <a:ext cx="976358" cy="646331"/>
+          </a:xfrm>
+          <a:prstGeom prst="rect">
+            <a:avLst/>
+          </a:prstGeom>
+        </p:spPr>
+        <p:txBody>
+          <a:bodyPr vert="horz" wrap="none">
+            <a:spAutoFit/>
+          </a:bodyPr>
+          <a:lstStyle/>
+          <a:p>
+            <a:pPr algn="ctr"/>
+            <a:r>
+              <a:rPr lang="en-CA" b="1" dirty="0">
+                <a:latin typeface="Cambria" panose="02040503050406030204" pitchFamily="18" charset="0"/>
+                <a:ea typeface="Cambria" panose="02040503050406030204" pitchFamily="18" charset="0"/>
+              </a:rPr>
+              <a:t>Control</a:t>
+            </a:r>
+          </a:p>
+          <a:p>
+            <a:pPr algn="ctr"/>
+            <a:r>
+              <a:rPr lang="en-CA" b="1" dirty="0">
+                <a:latin typeface="Cambria" panose="02040503050406030204" pitchFamily="18" charset="0"/>
+                <a:ea typeface="Cambria" panose="02040503050406030204" pitchFamily="18" charset="0"/>
+              </a:rPr>
+              <a:t>(n=11)</a:t>
+            </a:r>
+          </a:p>
+        </p:txBody>
+      </p:sp>
+      <p:sp>
+        <p:nvSpPr>
+          <p:cNvPr id="13" name="Rectangle 12">
+            <a:extLst>
+              <a:ext uri="{FF2B5EF4-FFF2-40B4-BE49-F238E27FC236}">
+                <a16:creationId xmlns:a16="http://schemas.microsoft.com/office/drawing/2014/main" id="{F9B64764-3068-4375-88DD-D011AC45AB54}"/>
+              </a:ext>
+            </a:extLst>
+          </p:cNvPr>
+          <p:cNvSpPr/>
+          <p:nvPr/>
+        </p:nvSpPr>
+        <p:spPr>
+          <a:xfrm>
+            <a:off x="2654336" y="6707839"/>
+            <a:ext cx="785793" cy="646331"/>
+          </a:xfrm>
+          <a:prstGeom prst="rect">
+            <a:avLst/>
+          </a:prstGeom>
+        </p:spPr>
+        <p:txBody>
+          <a:bodyPr vert="horz" wrap="none">
+            <a:spAutoFit/>
+          </a:bodyPr>
+          <a:lstStyle/>
+          <a:p>
+            <a:pPr algn="ctr"/>
+            <a:r>
+              <a:rPr lang="en-CA" b="1" dirty="0">
+                <a:latin typeface="Cambria" panose="02040503050406030204" pitchFamily="18" charset="0"/>
+                <a:ea typeface="Cambria" panose="02040503050406030204" pitchFamily="18" charset="0"/>
+              </a:rPr>
+              <a:t>FMS</a:t>
+            </a:r>
+          </a:p>
+          <a:p>
+            <a:pPr algn="ctr"/>
+            <a:r>
+              <a:rPr lang="en-CA" b="1" dirty="0">
+                <a:latin typeface="Cambria" panose="02040503050406030204" pitchFamily="18" charset="0"/>
+                <a:ea typeface="Cambria" panose="02040503050406030204" pitchFamily="18" charset="0"/>
+              </a:rPr>
+              <a:t>(n=7)</a:t>
+            </a:r>
+          </a:p>
+        </p:txBody>
+      </p:sp>
+      <p:sp>
+        <p:nvSpPr>
+          <p:cNvPr id="14" name="Rectangle 13">
+            <a:extLst>
+              <a:ext uri="{FF2B5EF4-FFF2-40B4-BE49-F238E27FC236}">
+                <a16:creationId xmlns:a16="http://schemas.microsoft.com/office/drawing/2014/main" id="{C033C6A8-B397-4382-885E-034C399F57CE}"/>
+              </a:ext>
+            </a:extLst>
+          </p:cNvPr>
+          <p:cNvSpPr/>
+          <p:nvPr/>
+        </p:nvSpPr>
+        <p:spPr>
+          <a:xfrm>
+            <a:off x="2654336" y="7490013"/>
+            <a:ext cx="2492990" cy="646331"/>
+          </a:xfrm>
+          <a:prstGeom prst="rect">
+            <a:avLst/>
+          </a:prstGeom>
+        </p:spPr>
+        <p:txBody>
+          <a:bodyPr vert="horz" wrap="none">
+            <a:spAutoFit/>
+          </a:bodyPr>
+          <a:lstStyle/>
+          <a:p>
+            <a:r>
+              <a:rPr lang="en-CA" b="1" dirty="0">
+                <a:latin typeface="Cambria" panose="02040503050406030204" pitchFamily="18" charset="0"/>
+                <a:ea typeface="Cambria" panose="02040503050406030204" pitchFamily="18" charset="0"/>
+              </a:rPr>
+              <a:t>FMS + IENF deficiency</a:t>
+            </a:r>
+          </a:p>
+          <a:p>
+            <a:r>
+              <a:rPr lang="en-CA" b="1" dirty="0">
+                <a:latin typeface="Cambria" panose="02040503050406030204" pitchFamily="18" charset="0"/>
+                <a:ea typeface="Cambria" panose="02040503050406030204" pitchFamily="18" charset="0"/>
+              </a:rPr>
+              <a:t>(n=10)</a:t>
+            </a:r>
+          </a:p>
+        </p:txBody>
+      </p:sp>
+    </p:spTree>
+    <p:extLst>
+      <p:ext uri="{BB962C8B-B14F-4D97-AF65-F5344CB8AC3E}">
+        <p14:creationId xmlns:p14="http://schemas.microsoft.com/office/powerpoint/2010/main" val="3720310491"/>
+      </p:ext>
+    </p:extLst>
+  </p:cSld>
+  <p:clrMapOvr>
+    <a:masterClrMapping/>
+  </p:clrMapOvr>
+</p:sld>
+</file>
+
+<file path=ppt/slides/slide4.xml><?xml version="1.0" encoding="utf-8"?>
 <p:sld xmlns:a="http://schemas.openxmlformats.org/drawingml/2006/main" xmlns:r="http://schemas.openxmlformats.org/officeDocument/2006/relationships" xmlns:p="http://schemas.openxmlformats.org/presentationml/2006/main">
   <p:cSld>
     <p:spTree>
@@ -20592,7 +21034,7 @@
         </p:blipFill>
         <p:spPr>
           <a:xfrm>
-            <a:off x="675754" y="498763"/>
+            <a:off x="316186" y="520778"/>
             <a:ext cx="2692351" cy="2577511"/>
           </a:xfrm>
           <a:prstGeom prst="rect">
@@ -20622,7 +21064,7 @@
         </p:blipFill>
         <p:spPr>
           <a:xfrm>
-            <a:off x="3489893" y="516908"/>
+            <a:off x="3459436" y="520778"/>
             <a:ext cx="2692351" cy="2577511"/>
           </a:xfrm>
           <a:prstGeom prst="rect">
@@ -20652,7 +21094,7 @@
         </p:blipFill>
         <p:spPr>
           <a:xfrm>
-            <a:off x="3489894" y="3134580"/>
+            <a:off x="3518663" y="3388831"/>
             <a:ext cx="2692351" cy="2577511"/>
           </a:xfrm>
           <a:prstGeom prst="rect">
@@ -20682,7 +21124,7 @@
         </p:blipFill>
         <p:spPr>
           <a:xfrm>
-            <a:off x="675754" y="3134580"/>
+            <a:off x="6602686" y="520778"/>
             <a:ext cx="2692351" cy="2577511"/>
           </a:xfrm>
           <a:prstGeom prst="rect">
@@ -20712,7 +21154,7 @@
         </p:blipFill>
         <p:spPr>
           <a:xfrm>
-            <a:off x="675754" y="5770399"/>
+            <a:off x="6662657" y="3388831"/>
             <a:ext cx="2692351" cy="2577511"/>
           </a:xfrm>
           <a:prstGeom prst="rect">
@@ -20742,7 +21184,7 @@
         </p:blipFill>
         <p:spPr>
           <a:xfrm>
-            <a:off x="3489893" y="5770399"/>
+            <a:off x="374669" y="3388831"/>
             <a:ext cx="2692351" cy="2577511"/>
           </a:xfrm>
           <a:prstGeom prst="rect">
@@ -20764,15 +21206,13 @@
         </p:nvSpPr>
         <p:spPr>
           <a:xfrm>
-            <a:off x="2401863" y="609433"/>
-            <a:ext cx="855603" cy="346663"/>
+            <a:off x="2072082" y="442346"/>
+            <a:ext cx="907502" cy="440034"/>
           </a:xfrm>
           <a:prstGeom prst="roundRect">
             <a:avLst/>
           </a:prstGeom>
-          <a:solidFill>
-            <a:srgbClr val="000000"/>
-          </a:solidFill>
+          <a:noFill/>
           <a:ln>
             <a:solidFill>
               <a:schemeClr val="tx1"/>
@@ -20801,21 +21241,21 @@
           <a:p>
             <a:pPr algn="ctr"/>
             <a:r>
-              <a:rPr lang="el-GR" sz="1000" dirty="0">
+              <a:rPr lang="el-GR" sz="1050" dirty="0">
                 <a:solidFill>
-                  <a:schemeClr val="bg1"/>
+                  <a:schemeClr val="tx1"/>
                 </a:solidFill>
-                <a:latin typeface="Cambria" panose="02040503050406030204" pitchFamily="18" charset="0"/>
+                <a:latin typeface="Arial Black" panose="020B0A04020102020204" pitchFamily="34" charset="0"/>
                 <a:ea typeface="Cambria" panose="02040503050406030204" pitchFamily="18" charset="0"/>
               </a:rPr>
               <a:t>ρ</a:t>
             </a:r>
             <a:r>
-              <a:rPr lang="en-CA" sz="1000" dirty="0">
+              <a:rPr lang="en-CA" sz="1050" dirty="0">
                 <a:solidFill>
-                  <a:schemeClr val="bg1"/>
+                  <a:schemeClr val="tx1"/>
                 </a:solidFill>
-                <a:latin typeface="Cambria" panose="02040503050406030204" pitchFamily="18" charset="0"/>
+                <a:latin typeface="Arial Black" panose="020B0A04020102020204" pitchFamily="34" charset="0"/>
                 <a:ea typeface="Cambria" panose="02040503050406030204" pitchFamily="18" charset="0"/>
               </a:rPr>
               <a:t> = -0.3</a:t>
@@ -20824,24 +21264,14 @@
           <a:p>
             <a:pPr algn="ctr"/>
             <a:r>
-              <a:rPr lang="en-CA" sz="1000" dirty="0" err="1">
+              <a:rPr lang="en-CA" sz="1050" dirty="0">
                 <a:solidFill>
-                  <a:schemeClr val="bg1"/>
+                  <a:schemeClr val="tx1"/>
                 </a:solidFill>
-                <a:latin typeface="Cambria" panose="02040503050406030204" pitchFamily="18" charset="0"/>
+                <a:latin typeface="Arial Black" panose="020B0A04020102020204" pitchFamily="34" charset="0"/>
                 <a:ea typeface="Cambria" panose="02040503050406030204" pitchFamily="18" charset="0"/>
               </a:rPr>
-              <a:t>pval</a:t>
-            </a:r>
-            <a:r>
-              <a:rPr lang="en-CA" sz="1000" dirty="0">
-                <a:solidFill>
-                  <a:schemeClr val="bg1"/>
-                </a:solidFill>
-                <a:latin typeface="Cambria" panose="02040503050406030204" pitchFamily="18" charset="0"/>
-                <a:ea typeface="Cambria" panose="02040503050406030204" pitchFamily="18" charset="0"/>
-              </a:rPr>
-              <a:t> = 0.1</a:t>
+              <a:t>p = 0.1</a:t>
             </a:r>
           </a:p>
         </p:txBody>
@@ -20860,15 +21290,13 @@
         </p:nvSpPr>
         <p:spPr>
           <a:xfrm>
-            <a:off x="5361408" y="609434"/>
-            <a:ext cx="855603" cy="346662"/>
+            <a:off x="5141707" y="442345"/>
+            <a:ext cx="907502" cy="440033"/>
           </a:xfrm>
           <a:prstGeom prst="roundRect">
             <a:avLst/>
           </a:prstGeom>
-          <a:solidFill>
-            <a:srgbClr val="000000"/>
-          </a:solidFill>
+          <a:noFill/>
           <a:ln>
             <a:solidFill>
               <a:schemeClr val="tx1"/>
@@ -20897,21 +21325,21 @@
           <a:p>
             <a:pPr algn="ctr"/>
             <a:r>
-              <a:rPr lang="el-GR" sz="1000" b="1" dirty="0">
+              <a:rPr lang="el-GR" sz="1050" b="1" dirty="0">
                 <a:solidFill>
-                  <a:schemeClr val="bg1"/>
+                  <a:schemeClr val="tx1"/>
                 </a:solidFill>
-                <a:latin typeface="Cambria" panose="02040503050406030204" pitchFamily="18" charset="0"/>
+                <a:latin typeface="Arial Black" panose="020B0A04020102020204" pitchFamily="34" charset="0"/>
                 <a:ea typeface="Cambria" panose="02040503050406030204" pitchFamily="18" charset="0"/>
               </a:rPr>
               <a:t>ρ</a:t>
             </a:r>
             <a:r>
-              <a:rPr lang="en-CA" sz="1000" b="1" dirty="0">
+              <a:rPr lang="en-CA" sz="1050" b="1" dirty="0">
                 <a:solidFill>
-                  <a:schemeClr val="bg1"/>
+                  <a:schemeClr val="tx1"/>
                 </a:solidFill>
-                <a:latin typeface="Cambria" panose="02040503050406030204" pitchFamily="18" charset="0"/>
+                <a:latin typeface="Arial Black" panose="020B0A04020102020204" pitchFamily="34" charset="0"/>
                 <a:ea typeface="Cambria" panose="02040503050406030204" pitchFamily="18" charset="0"/>
               </a:rPr>
               <a:t> = 0.5</a:t>
@@ -20920,24 +21348,14 @@
           <a:p>
             <a:pPr algn="ctr"/>
             <a:r>
-              <a:rPr lang="en-CA" sz="1000" b="1" dirty="0" err="1">
+              <a:rPr lang="en-CA" sz="1050" b="1" dirty="0">
                 <a:solidFill>
-                  <a:schemeClr val="bg1"/>
+                  <a:schemeClr val="tx1"/>
                 </a:solidFill>
-                <a:latin typeface="Cambria" panose="02040503050406030204" pitchFamily="18" charset="0"/>
+                <a:latin typeface="Arial Black" panose="020B0A04020102020204" pitchFamily="34" charset="0"/>
                 <a:ea typeface="Cambria" panose="02040503050406030204" pitchFamily="18" charset="0"/>
               </a:rPr>
-              <a:t>pval</a:t>
-            </a:r>
-            <a:r>
-              <a:rPr lang="en-CA" sz="1000" b="1" dirty="0">
-                <a:solidFill>
-                  <a:schemeClr val="bg1"/>
-                </a:solidFill>
-                <a:latin typeface="Cambria" panose="02040503050406030204" pitchFamily="18" charset="0"/>
-                <a:ea typeface="Cambria" panose="02040503050406030204" pitchFamily="18" charset="0"/>
-              </a:rPr>
-              <a:t> = 0.01</a:t>
+              <a:t>p = 0.01</a:t>
             </a:r>
           </a:p>
         </p:txBody>
@@ -20956,15 +21374,13 @@
         </p:nvSpPr>
         <p:spPr>
           <a:xfrm>
-            <a:off x="2401863" y="3158968"/>
-            <a:ext cx="855603" cy="342497"/>
+            <a:off x="8211332" y="412437"/>
+            <a:ext cx="907502" cy="434746"/>
           </a:xfrm>
           <a:prstGeom prst="roundRect">
             <a:avLst/>
           </a:prstGeom>
-          <a:solidFill>
-            <a:srgbClr val="000000"/>
-          </a:solidFill>
+          <a:noFill/>
           <a:ln>
             <a:solidFill>
               <a:schemeClr val="tx1"/>
@@ -20993,21 +21409,21 @@
           <a:p>
             <a:pPr algn="ctr"/>
             <a:r>
-              <a:rPr lang="el-GR" sz="1000" dirty="0">
+              <a:rPr lang="el-GR" sz="1050" b="1" dirty="0">
                 <a:solidFill>
-                  <a:schemeClr val="bg1"/>
+                  <a:schemeClr val="tx1"/>
                 </a:solidFill>
-                <a:latin typeface="Cambria" panose="02040503050406030204" pitchFamily="18" charset="0"/>
+                <a:latin typeface="Arial Black" panose="020B0A04020102020204" pitchFamily="34" charset="0"/>
                 <a:ea typeface="Cambria" panose="02040503050406030204" pitchFamily="18" charset="0"/>
               </a:rPr>
               <a:t>ρ</a:t>
             </a:r>
             <a:r>
-              <a:rPr lang="en-CA" sz="1000" dirty="0">
+              <a:rPr lang="en-CA" sz="1050" b="1" dirty="0">
                 <a:solidFill>
-                  <a:schemeClr val="bg1"/>
+                  <a:schemeClr val="tx1"/>
                 </a:solidFill>
-                <a:latin typeface="Cambria" panose="02040503050406030204" pitchFamily="18" charset="0"/>
+                <a:latin typeface="Arial Black" panose="020B0A04020102020204" pitchFamily="34" charset="0"/>
                 <a:ea typeface="Cambria" panose="02040503050406030204" pitchFamily="18" charset="0"/>
               </a:rPr>
               <a:t> = 0.4</a:t>
@@ -21016,24 +21432,14 @@
           <a:p>
             <a:pPr algn="ctr"/>
             <a:r>
-              <a:rPr lang="en-CA" sz="1000" dirty="0" err="1">
+              <a:rPr lang="en-CA" sz="1050" b="1" dirty="0">
                 <a:solidFill>
-                  <a:schemeClr val="bg1"/>
+                  <a:schemeClr val="tx1"/>
                 </a:solidFill>
-                <a:latin typeface="Cambria" panose="02040503050406030204" pitchFamily="18" charset="0"/>
+                <a:latin typeface="Arial Black" panose="020B0A04020102020204" pitchFamily="34" charset="0"/>
                 <a:ea typeface="Cambria" panose="02040503050406030204" pitchFamily="18" charset="0"/>
               </a:rPr>
-              <a:t>pval</a:t>
-            </a:r>
-            <a:r>
-              <a:rPr lang="en-CA" sz="1000" dirty="0">
-                <a:solidFill>
-                  <a:schemeClr val="bg1"/>
-                </a:solidFill>
-                <a:latin typeface="Cambria" panose="02040503050406030204" pitchFamily="18" charset="0"/>
-                <a:ea typeface="Cambria" panose="02040503050406030204" pitchFamily="18" charset="0"/>
-              </a:rPr>
-              <a:t> = 0.06</a:t>
+              <a:t>p = 0.04</a:t>
             </a:r>
           </a:p>
         </p:txBody>
@@ -21052,15 +21458,13 @@
         </p:nvSpPr>
         <p:spPr>
           <a:xfrm>
-            <a:off x="5326641" y="3154803"/>
-            <a:ext cx="855603" cy="346662"/>
+            <a:off x="5141706" y="3202159"/>
+            <a:ext cx="907502" cy="440033"/>
           </a:xfrm>
           <a:prstGeom prst="roundRect">
             <a:avLst/>
           </a:prstGeom>
-          <a:solidFill>
-            <a:srgbClr val="000000"/>
-          </a:solidFill>
+          <a:noFill/>
           <a:ln>
             <a:solidFill>
               <a:schemeClr val="tx1"/>
@@ -21089,21 +21493,21 @@
           <a:p>
             <a:pPr algn="ctr"/>
             <a:r>
-              <a:rPr lang="el-GR" sz="1000" dirty="0">
+              <a:rPr lang="el-GR" sz="1050" dirty="0">
                 <a:solidFill>
-                  <a:schemeClr val="bg1"/>
+                  <a:schemeClr val="tx1"/>
                 </a:solidFill>
-                <a:latin typeface="Cambria" panose="02040503050406030204" pitchFamily="18" charset="0"/>
+                <a:latin typeface="Arial Black" panose="020B0A04020102020204" pitchFamily="34" charset="0"/>
                 <a:ea typeface="Cambria" panose="02040503050406030204" pitchFamily="18" charset="0"/>
               </a:rPr>
               <a:t>ρ</a:t>
             </a:r>
             <a:r>
-              <a:rPr lang="en-CA" sz="1000" dirty="0">
+              <a:rPr lang="en-CA" sz="1050" dirty="0">
                 <a:solidFill>
-                  <a:schemeClr val="bg1"/>
+                  <a:schemeClr val="tx1"/>
                 </a:solidFill>
-                <a:latin typeface="Cambria" panose="02040503050406030204" pitchFamily="18" charset="0"/>
+                <a:latin typeface="Arial Black" panose="020B0A04020102020204" pitchFamily="34" charset="0"/>
                 <a:ea typeface="Cambria" panose="02040503050406030204" pitchFamily="18" charset="0"/>
               </a:rPr>
               <a:t> = -0.4</a:t>
@@ -21112,24 +21516,14 @@
           <a:p>
             <a:pPr algn="ctr"/>
             <a:r>
-              <a:rPr lang="en-CA" sz="1000" dirty="0" err="1">
+              <a:rPr lang="en-CA" sz="1050" dirty="0">
                 <a:solidFill>
-                  <a:schemeClr val="bg1"/>
+                  <a:schemeClr val="tx1"/>
                 </a:solidFill>
-                <a:latin typeface="Cambria" panose="02040503050406030204" pitchFamily="18" charset="0"/>
+                <a:latin typeface="Arial Black" panose="020B0A04020102020204" pitchFamily="34" charset="0"/>
                 <a:ea typeface="Cambria" panose="02040503050406030204" pitchFamily="18" charset="0"/>
               </a:rPr>
-              <a:t>pval</a:t>
-            </a:r>
-            <a:r>
-              <a:rPr lang="en-CA" sz="1000" dirty="0">
-                <a:solidFill>
-                  <a:schemeClr val="bg1"/>
-                </a:solidFill>
-                <a:latin typeface="Cambria" panose="02040503050406030204" pitchFamily="18" charset="0"/>
-                <a:ea typeface="Cambria" panose="02040503050406030204" pitchFamily="18" charset="0"/>
-              </a:rPr>
-              <a:t> = 0.07</a:t>
+              <a:t>p = 0.07</a:t>
             </a:r>
           </a:p>
         </p:txBody>
@@ -21148,15 +21542,13 @@
         </p:nvSpPr>
         <p:spPr>
           <a:xfrm>
-            <a:off x="2401863" y="5752252"/>
-            <a:ext cx="855604" cy="341571"/>
+            <a:off x="8211330" y="3207251"/>
+            <a:ext cx="907503" cy="433571"/>
           </a:xfrm>
           <a:prstGeom prst="roundRect">
             <a:avLst/>
           </a:prstGeom>
-          <a:solidFill>
-            <a:srgbClr val="000000"/>
-          </a:solidFill>
+          <a:noFill/>
           <a:ln>
             <a:solidFill>
               <a:schemeClr val="tx1"/>
@@ -21185,21 +21577,21 @@
           <a:p>
             <a:pPr algn="ctr"/>
             <a:r>
-              <a:rPr lang="el-GR" sz="1000" dirty="0">
+              <a:rPr lang="el-GR" sz="1050" dirty="0">
                 <a:solidFill>
-                  <a:schemeClr val="bg1"/>
+                  <a:schemeClr val="tx1"/>
                 </a:solidFill>
-                <a:latin typeface="Cambria" panose="02040503050406030204" pitchFamily="18" charset="0"/>
+                <a:latin typeface="Arial Black" panose="020B0A04020102020204" pitchFamily="34" charset="0"/>
                 <a:ea typeface="Cambria" panose="02040503050406030204" pitchFamily="18" charset="0"/>
               </a:rPr>
               <a:t>ρ</a:t>
             </a:r>
             <a:r>
-              <a:rPr lang="en-CA" sz="1000" dirty="0">
+              <a:rPr lang="en-CA" sz="1050" dirty="0">
                 <a:solidFill>
-                  <a:schemeClr val="bg1"/>
+                  <a:schemeClr val="tx1"/>
                 </a:solidFill>
-                <a:latin typeface="Cambria" panose="02040503050406030204" pitchFamily="18" charset="0"/>
+                <a:latin typeface="Arial Black" panose="020B0A04020102020204" pitchFamily="34" charset="0"/>
                 <a:ea typeface="Cambria" panose="02040503050406030204" pitchFamily="18" charset="0"/>
               </a:rPr>
               <a:t> = -0.2</a:t>
@@ -21208,24 +21600,14 @@
           <a:p>
             <a:pPr algn="ctr"/>
             <a:r>
-              <a:rPr lang="en-CA" sz="1000" dirty="0" err="1">
+              <a:rPr lang="en-CA" sz="1050" dirty="0">
                 <a:solidFill>
-                  <a:schemeClr val="bg1"/>
+                  <a:schemeClr val="tx1"/>
                 </a:solidFill>
-                <a:latin typeface="Cambria" panose="02040503050406030204" pitchFamily="18" charset="0"/>
+                <a:latin typeface="Arial Black" panose="020B0A04020102020204" pitchFamily="34" charset="0"/>
                 <a:ea typeface="Cambria" panose="02040503050406030204" pitchFamily="18" charset="0"/>
               </a:rPr>
-              <a:t>pval</a:t>
-            </a:r>
-            <a:r>
-              <a:rPr lang="en-CA" sz="1000" dirty="0">
-                <a:solidFill>
-                  <a:schemeClr val="bg1"/>
-                </a:solidFill>
-                <a:latin typeface="Cambria" panose="02040503050406030204" pitchFamily="18" charset="0"/>
-                <a:ea typeface="Cambria" panose="02040503050406030204" pitchFamily="18" charset="0"/>
-              </a:rPr>
-              <a:t> = 0.43</a:t>
+              <a:t>p = 0.43</a:t>
             </a:r>
           </a:p>
         </p:txBody>
@@ -21244,15 +21626,13 @@
         </p:nvSpPr>
         <p:spPr>
           <a:xfrm>
-            <a:off x="5326640" y="5752251"/>
-            <a:ext cx="855604" cy="341571"/>
+            <a:off x="2072080" y="3207251"/>
+            <a:ext cx="907503" cy="433571"/>
           </a:xfrm>
           <a:prstGeom prst="roundRect">
             <a:avLst/>
           </a:prstGeom>
-          <a:solidFill>
-            <a:srgbClr val="000000"/>
-          </a:solidFill>
+          <a:noFill/>
           <a:ln>
             <a:solidFill>
               <a:schemeClr val="tx1"/>
@@ -21281,44 +21661,37 @@
           <a:p>
             <a:pPr algn="ctr"/>
             <a:r>
-              <a:rPr lang="el-GR" sz="1000" b="1" dirty="0">
+              <a:rPr lang="el-GR" sz="1050" b="1" dirty="0">
                 <a:solidFill>
-                  <a:schemeClr val="bg1"/>
+                  <a:schemeClr val="tx1"/>
                 </a:solidFill>
-                <a:latin typeface="Cambria" panose="02040503050406030204" pitchFamily="18" charset="0"/>
+                <a:latin typeface="Arial Black" panose="020B0A04020102020204" pitchFamily="34" charset="0"/>
                 <a:ea typeface="Cambria" panose="02040503050406030204" pitchFamily="18" charset="0"/>
               </a:rPr>
               <a:t>ρ</a:t>
             </a:r>
             <a:r>
-              <a:rPr lang="en-CA" sz="1000" b="1" dirty="0">
+              <a:rPr lang="en-CA" sz="1050" b="1" dirty="0">
                 <a:solidFill>
-                  <a:schemeClr val="bg1"/>
+                  <a:schemeClr val="tx1"/>
                 </a:solidFill>
-                <a:latin typeface="Cambria" panose="02040503050406030204" pitchFamily="18" charset="0"/>
+                <a:latin typeface="Arial Black" panose="020B0A04020102020204" pitchFamily="34" charset="0"/>
                 <a:ea typeface="Cambria" panose="02040503050406030204" pitchFamily="18" charset="0"/>
               </a:rPr>
-              <a:t> = 0.5; </a:t>
+              <a:t> = 0.5</a:t>
             </a:r>
+          </a:p>
+          <a:p>
+            <a:pPr algn="ctr"/>
             <a:r>
-              <a:rPr lang="en-CA" sz="1000" b="1" dirty="0" err="1">
+              <a:rPr lang="en-CA" sz="1050" b="1" dirty="0">
                 <a:solidFill>
-                  <a:schemeClr val="bg1"/>
+                  <a:schemeClr val="tx1"/>
                 </a:solidFill>
-                <a:latin typeface="Cambria" panose="02040503050406030204" pitchFamily="18" charset="0"/>
+                <a:latin typeface="Arial Black" panose="020B0A04020102020204" pitchFamily="34" charset="0"/>
                 <a:ea typeface="Cambria" panose="02040503050406030204" pitchFamily="18" charset="0"/>
               </a:rPr>
-              <a:t>pval</a:t>
-            </a:r>
-            <a:r>
-              <a:rPr lang="en-CA" sz="1000" b="1" dirty="0">
-                <a:solidFill>
-                  <a:schemeClr val="bg1"/>
-                </a:solidFill>
-                <a:latin typeface="Cambria" panose="02040503050406030204" pitchFamily="18" charset="0"/>
-                <a:ea typeface="Cambria" panose="02040503050406030204" pitchFamily="18" charset="0"/>
-              </a:rPr>
-              <a:t> = 0.01</a:t>
+              <a:t>p = 0.01</a:t>
             </a:r>
           </a:p>
         </p:txBody>
@@ -21341,7 +21714,7 @@
         </p:nvSpPr>
         <p:spPr>
           <a:xfrm>
-            <a:off x="675754" y="8934778"/>
+            <a:off x="2106886" y="8934779"/>
             <a:ext cx="5689105" cy="567833"/>
           </a:xfrm>
         </p:spPr>
@@ -21378,7 +21751,7 @@
         </p:nvSpPr>
         <p:spPr>
           <a:xfrm>
-            <a:off x="1257709" y="8413226"/>
+            <a:off x="5305162" y="7920029"/>
             <a:ext cx="976358" cy="369332"/>
           </a:xfrm>
           <a:prstGeom prst="rect">
@@ -21415,8 +21788,8 @@
         </p:nvSpPr>
         <p:spPr>
           <a:xfrm>
-            <a:off x="2658907" y="8413226"/>
-            <a:ext cx="506870" cy="369332"/>
+            <a:off x="5305162" y="8156850"/>
+            <a:ext cx="625492" cy="369332"/>
           </a:xfrm>
           <a:prstGeom prst="rect">
             <a:avLst/>
@@ -21433,7 +21806,7 @@
                 <a:latin typeface="Cambria" panose="02040503050406030204" pitchFamily="18" charset="0"/>
                 <a:ea typeface="Cambria" panose="02040503050406030204" pitchFamily="18" charset="0"/>
               </a:rPr>
-              <a:t>FM</a:t>
+              <a:t>FMS</a:t>
             </a:r>
           </a:p>
         </p:txBody>
@@ -21452,8 +21825,8 @@
         </p:nvSpPr>
         <p:spPr>
           <a:xfrm>
-            <a:off x="3807876" y="8406218"/>
-            <a:ext cx="2374368" cy="369332"/>
+            <a:off x="5305162" y="8406218"/>
+            <a:ext cx="2492990" cy="369332"/>
           </a:xfrm>
           <a:prstGeom prst="rect">
             <a:avLst/>
@@ -21470,7 +21843,7 @@
                 <a:latin typeface="Cambria" panose="02040503050406030204" pitchFamily="18" charset="0"/>
                 <a:ea typeface="Cambria" panose="02040503050406030204" pitchFamily="18" charset="0"/>
               </a:rPr>
-              <a:t>FM + IENF deficiency</a:t>
+              <a:t>FMS + IENF deficiency</a:t>
             </a:r>
           </a:p>
         </p:txBody>
@@ -21489,7 +21862,7 @@
         </p:nvSpPr>
         <p:spPr>
           <a:xfrm>
-            <a:off x="1167832" y="8513494"/>
+            <a:off x="5123356" y="8023093"/>
             <a:ext cx="179754" cy="187569"/>
           </a:xfrm>
           <a:prstGeom prst="ellipse">
@@ -21541,7 +21914,7 @@
         </p:nvSpPr>
         <p:spPr>
           <a:xfrm>
-            <a:off x="2558129" y="8495920"/>
+            <a:off x="5123356" y="8261919"/>
             <a:ext cx="179754" cy="187569"/>
           </a:xfrm>
           <a:prstGeom prst="ellipse">
@@ -21593,7 +21966,7 @@
         </p:nvSpPr>
         <p:spPr>
           <a:xfrm>
-            <a:off x="3692225" y="8500744"/>
+            <a:off x="5123356" y="8500745"/>
             <a:ext cx="179754" cy="187569"/>
           </a:xfrm>
           <a:prstGeom prst="ellipse">
@@ -21628,6 +22001,228 @@
           <a:p>
             <a:pPr algn="ctr"/>
             <a:endParaRPr lang="en-CA"/>
+          </a:p>
+        </p:txBody>
+      </p:sp>
+      <p:sp>
+        <p:nvSpPr>
+          <p:cNvPr id="23" name="TextBox 22">
+            <a:extLst>
+              <a:ext uri="{FF2B5EF4-FFF2-40B4-BE49-F238E27FC236}">
+                <a16:creationId xmlns:a16="http://schemas.microsoft.com/office/drawing/2014/main" id="{2123A6E2-2D7A-4467-9649-7DB53CDBB8BE}"/>
+              </a:ext>
+            </a:extLst>
+          </p:cNvPr>
+          <p:cNvSpPr txBox="1"/>
+          <p:nvPr/>
+        </p:nvSpPr>
+        <p:spPr>
+          <a:xfrm>
+            <a:off x="104429" y="151446"/>
+            <a:ext cx="416845" cy="369332"/>
+          </a:xfrm>
+          <a:prstGeom prst="rect">
+            <a:avLst/>
+          </a:prstGeom>
+          <a:noFill/>
+        </p:spPr>
+        <p:txBody>
+          <a:bodyPr wrap="none" rtlCol="0">
+            <a:spAutoFit/>
+          </a:bodyPr>
+          <a:lstStyle/>
+          <a:p>
+            <a:r>
+              <a:rPr lang="en-CA" dirty="0">
+                <a:latin typeface="Arial Rounded MT Bold" panose="020F0704030504030204" pitchFamily="34" charset="0"/>
+              </a:rPr>
+              <a:t>C.</a:t>
+            </a:r>
+          </a:p>
+        </p:txBody>
+      </p:sp>
+      <p:sp>
+        <p:nvSpPr>
+          <p:cNvPr id="25" name="TextBox 24">
+            <a:extLst>
+              <a:ext uri="{FF2B5EF4-FFF2-40B4-BE49-F238E27FC236}">
+                <a16:creationId xmlns:a16="http://schemas.microsoft.com/office/drawing/2014/main" id="{D19F40C5-D820-4696-8E63-F699A495E581}"/>
+              </a:ext>
+            </a:extLst>
+          </p:cNvPr>
+          <p:cNvSpPr txBox="1"/>
+          <p:nvPr/>
+        </p:nvSpPr>
+        <p:spPr>
+          <a:xfrm>
+            <a:off x="3312372" y="151446"/>
+            <a:ext cx="410946" cy="369332"/>
+          </a:xfrm>
+          <a:prstGeom prst="rect">
+            <a:avLst/>
+          </a:prstGeom>
+          <a:noFill/>
+        </p:spPr>
+        <p:txBody>
+          <a:bodyPr wrap="none" rtlCol="0">
+            <a:spAutoFit/>
+          </a:bodyPr>
+          <a:lstStyle/>
+          <a:p>
+            <a:r>
+              <a:rPr lang="en-CA" dirty="0">
+                <a:latin typeface="Arial Rounded MT Bold" panose="020F0704030504030204" pitchFamily="34" charset="0"/>
+              </a:rPr>
+              <a:t>D.</a:t>
+            </a:r>
+          </a:p>
+        </p:txBody>
+      </p:sp>
+      <p:sp>
+        <p:nvSpPr>
+          <p:cNvPr id="42" name="TextBox 41">
+            <a:extLst>
+              <a:ext uri="{FF2B5EF4-FFF2-40B4-BE49-F238E27FC236}">
+                <a16:creationId xmlns:a16="http://schemas.microsoft.com/office/drawing/2014/main" id="{7FCD7C55-0041-4E8D-B6BD-2027E9F58556}"/>
+              </a:ext>
+            </a:extLst>
+          </p:cNvPr>
+          <p:cNvSpPr txBox="1"/>
+          <p:nvPr/>
+        </p:nvSpPr>
+        <p:spPr>
+          <a:xfrm>
+            <a:off x="6514416" y="151446"/>
+            <a:ext cx="410690" cy="369332"/>
+          </a:xfrm>
+          <a:prstGeom prst="rect">
+            <a:avLst/>
+          </a:prstGeom>
+          <a:noFill/>
+        </p:spPr>
+        <p:txBody>
+          <a:bodyPr wrap="none" rtlCol="0">
+            <a:spAutoFit/>
+          </a:bodyPr>
+          <a:lstStyle/>
+          <a:p>
+            <a:r>
+              <a:rPr lang="en-CA" dirty="0">
+                <a:latin typeface="Arial Rounded MT Bold" panose="020F0704030504030204" pitchFamily="34" charset="0"/>
+              </a:rPr>
+              <a:t>E.</a:t>
+            </a:r>
+          </a:p>
+        </p:txBody>
+      </p:sp>
+      <p:sp>
+        <p:nvSpPr>
+          <p:cNvPr id="43" name="TextBox 42">
+            <a:extLst>
+              <a:ext uri="{FF2B5EF4-FFF2-40B4-BE49-F238E27FC236}">
+                <a16:creationId xmlns:a16="http://schemas.microsoft.com/office/drawing/2014/main" id="{F7E59BCF-75FE-4616-A8E0-C1CECC3016CE}"/>
+              </a:ext>
+            </a:extLst>
+          </p:cNvPr>
+          <p:cNvSpPr txBox="1"/>
+          <p:nvPr/>
+        </p:nvSpPr>
+        <p:spPr>
+          <a:xfrm>
+            <a:off x="104429" y="2945807"/>
+            <a:ext cx="367408" cy="369332"/>
+          </a:xfrm>
+          <a:prstGeom prst="rect">
+            <a:avLst/>
+          </a:prstGeom>
+          <a:noFill/>
+        </p:spPr>
+        <p:txBody>
+          <a:bodyPr wrap="none" rtlCol="0">
+            <a:spAutoFit/>
+          </a:bodyPr>
+          <a:lstStyle/>
+          <a:p>
+            <a:r>
+              <a:rPr lang="en-CA" dirty="0">
+                <a:latin typeface="Arial Rounded MT Bold" panose="020F0704030504030204" pitchFamily="34" charset="0"/>
+              </a:rPr>
+              <a:t>F.</a:t>
+            </a:r>
+          </a:p>
+        </p:txBody>
+      </p:sp>
+      <p:sp>
+        <p:nvSpPr>
+          <p:cNvPr id="44" name="TextBox 43">
+            <a:extLst>
+              <a:ext uri="{FF2B5EF4-FFF2-40B4-BE49-F238E27FC236}">
+                <a16:creationId xmlns:a16="http://schemas.microsoft.com/office/drawing/2014/main" id="{A0A22488-C854-429F-AD70-73CBD18B3CF5}"/>
+              </a:ext>
+            </a:extLst>
+          </p:cNvPr>
+          <p:cNvSpPr txBox="1"/>
+          <p:nvPr/>
+        </p:nvSpPr>
+        <p:spPr>
+          <a:xfrm>
+            <a:off x="3312372" y="2945807"/>
+            <a:ext cx="433773" cy="369332"/>
+          </a:xfrm>
+          <a:prstGeom prst="rect">
+            <a:avLst/>
+          </a:prstGeom>
+          <a:noFill/>
+        </p:spPr>
+        <p:txBody>
+          <a:bodyPr wrap="none" rtlCol="0">
+            <a:spAutoFit/>
+          </a:bodyPr>
+          <a:lstStyle/>
+          <a:p>
+            <a:r>
+              <a:rPr lang="en-CA" dirty="0">
+                <a:latin typeface="Arial Rounded MT Bold" panose="020F0704030504030204" pitchFamily="34" charset="0"/>
+              </a:rPr>
+              <a:t>G.</a:t>
+            </a:r>
+          </a:p>
+        </p:txBody>
+      </p:sp>
+      <p:sp>
+        <p:nvSpPr>
+          <p:cNvPr id="45" name="TextBox 44">
+            <a:extLst>
+              <a:ext uri="{FF2B5EF4-FFF2-40B4-BE49-F238E27FC236}">
+                <a16:creationId xmlns:a16="http://schemas.microsoft.com/office/drawing/2014/main" id="{EE438751-13AA-45A9-97DB-F46F6912B0A5}"/>
+              </a:ext>
+            </a:extLst>
+          </p:cNvPr>
+          <p:cNvSpPr txBox="1"/>
+          <p:nvPr/>
+        </p:nvSpPr>
+        <p:spPr>
+          <a:xfrm>
+            <a:off x="6514416" y="2945807"/>
+            <a:ext cx="431528" cy="369332"/>
+          </a:xfrm>
+          <a:prstGeom prst="rect">
+            <a:avLst/>
+          </a:prstGeom>
+          <a:noFill/>
+        </p:spPr>
+        <p:txBody>
+          <a:bodyPr wrap="none" rtlCol="0">
+            <a:spAutoFit/>
+          </a:bodyPr>
+          <a:lstStyle/>
+          <a:p>
+            <a:r>
+              <a:rPr lang="en-CA" dirty="0">
+                <a:latin typeface="Arial Rounded MT Bold" panose="020F0704030504030204" pitchFamily="34" charset="0"/>
+              </a:rPr>
+              <a:t>H.</a:t>
+            </a:r>
           </a:p>
         </p:txBody>
       </p:sp>
